--- a/Slides/12. Registros.pptx
+++ b/Slides/12. Registros.pptx
@@ -5,7 +5,7 @@
     <p:sldMasterId id="2147483660" r:id="rId1"/>
   </p:sldMasterIdLst>
   <p:notesMasterIdLst>
-    <p:notesMasterId r:id="rId23"/>
+    <p:notesMasterId r:id="rId24"/>
   </p:notesMasterIdLst>
   <p:sldIdLst>
     <p:sldId id="256" r:id="rId2"/>
@@ -28,7 +28,8 @@
     <p:sldId id="269" r:id="rId19"/>
     <p:sldId id="270" r:id="rId20"/>
     <p:sldId id="279" r:id="rId21"/>
-    <p:sldId id="282" r:id="rId22"/>
+    <p:sldId id="296" r:id="rId22"/>
+    <p:sldId id="282" r:id="rId23"/>
   </p:sldIdLst>
   <p:sldSz cx="12192000" cy="6858000"/>
   <p:notesSz cx="6858000" cy="9144000"/>
@@ -149,13 +150,581 @@
 <file path=ppt/revisionInfo.xml><?xml version="1.0" encoding="utf-8"?>
 <p1510:revInfo xmlns:a="http://schemas.openxmlformats.org/drawingml/2006/main" xmlns:r="http://schemas.openxmlformats.org/officeDocument/2006/relationships" xmlns:p1510="http://schemas.microsoft.com/office/powerpoint/2015/10/main">
   <p1510:revLst>
-    <p1510:client id="{B1FB2B41-F64C-469C-A7EA-030C14402C29}" v="14" dt="2019-10-31T19:44:51.554"/>
+    <p1510:client id="{B4AC7A3D-FB04-41E0-90AF-967887E9CB9C}" v="25" dt="2021-04-10T18:55:06.827"/>
   </p1510:revLst>
 </p1510:revInfo>
 </file>
 
 <file path=ppt/changesInfos/changesInfo1.xml><?xml version="1.0" encoding="utf-8"?>
 <pc:chgInfo xmlns:a="http://schemas.openxmlformats.org/drawingml/2006/main" xmlns:r="http://schemas.openxmlformats.org/officeDocument/2006/relationships" xmlns:ac="http://schemas.microsoft.com/office/drawing/2013/main/command" xmlns:pc="http://schemas.microsoft.com/office/powerpoint/2013/main/command">
+  <pc:docChgLst>
+    <pc:chgData name="Judson Santiago" userId="ebb108da2f256286" providerId="LiveId" clId="{B4AC7A3D-FB04-41E0-90AF-967887E9CB9C}"/>
+    <pc:docChg chg="undo redo custSel addSld modSld modMainMaster">
+      <pc:chgData name="Judson Santiago" userId="ebb108da2f256286" providerId="LiveId" clId="{B4AC7A3D-FB04-41E0-90AF-967887E9CB9C}" dt="2021-04-10T18:56:58.982" v="716" actId="20577"/>
+      <pc:docMkLst>
+        <pc:docMk/>
+      </pc:docMkLst>
+      <pc:sldChg chg="modSp mod">
+        <pc:chgData name="Judson Santiago" userId="ebb108da2f256286" providerId="LiveId" clId="{B4AC7A3D-FB04-41E0-90AF-967887E9CB9C}" dt="2021-04-10T18:16:08.891" v="175"/>
+        <pc:sldMkLst>
+          <pc:docMk/>
+          <pc:sldMk cId="0" sldId="259"/>
+        </pc:sldMkLst>
+        <pc:spChg chg="mod">
+          <ac:chgData name="Judson Santiago" userId="ebb108da2f256286" providerId="LiveId" clId="{B4AC7A3D-FB04-41E0-90AF-967887E9CB9C}" dt="2021-04-10T18:16:08.891" v="175"/>
+          <ac:spMkLst>
+            <pc:docMk/>
+            <pc:sldMk cId="0" sldId="259"/>
+            <ac:spMk id="2" creationId="{00000000-0000-0000-0000-000000000000}"/>
+          </ac:spMkLst>
+        </pc:spChg>
+      </pc:sldChg>
+      <pc:sldChg chg="addSp modSp mod">
+        <pc:chgData name="Judson Santiago" userId="ebb108da2f256286" providerId="LiveId" clId="{B4AC7A3D-FB04-41E0-90AF-967887E9CB9C}" dt="2021-04-10T18:12:36.262" v="156" actId="164"/>
+        <pc:sldMkLst>
+          <pc:docMk/>
+          <pc:sldMk cId="0" sldId="260"/>
+        </pc:sldMkLst>
+        <pc:spChg chg="mod">
+          <ac:chgData name="Judson Santiago" userId="ebb108da2f256286" providerId="LiveId" clId="{B4AC7A3D-FB04-41E0-90AF-967887E9CB9C}" dt="2021-04-10T18:12:36.262" v="156" actId="164"/>
+          <ac:spMkLst>
+            <pc:docMk/>
+            <pc:sldMk cId="0" sldId="260"/>
+            <ac:spMk id="4" creationId="{00000000-0000-0000-0000-000000000000}"/>
+          </ac:spMkLst>
+        </pc:spChg>
+        <pc:spChg chg="mod">
+          <ac:chgData name="Judson Santiago" userId="ebb108da2f256286" providerId="LiveId" clId="{B4AC7A3D-FB04-41E0-90AF-967887E9CB9C}" dt="2021-04-10T18:12:36.262" v="156" actId="164"/>
+          <ac:spMkLst>
+            <pc:docMk/>
+            <pc:sldMk cId="0" sldId="260"/>
+            <ac:spMk id="7" creationId="{9273A405-EE54-4F2B-A960-2E0FDE1DDCE2}"/>
+          </ac:spMkLst>
+        </pc:spChg>
+        <pc:spChg chg="mod">
+          <ac:chgData name="Judson Santiago" userId="ebb108da2f256286" providerId="LiveId" clId="{B4AC7A3D-FB04-41E0-90AF-967887E9CB9C}" dt="2021-04-10T18:12:36.262" v="156" actId="164"/>
+          <ac:spMkLst>
+            <pc:docMk/>
+            <pc:sldMk cId="0" sldId="260"/>
+            <ac:spMk id="10" creationId="{454FA266-F0CE-4B86-9A03-0C63EE2DE123}"/>
+          </ac:spMkLst>
+        </pc:spChg>
+        <pc:spChg chg="mod">
+          <ac:chgData name="Judson Santiago" userId="ebb108da2f256286" providerId="LiveId" clId="{B4AC7A3D-FB04-41E0-90AF-967887E9CB9C}" dt="2021-04-10T18:12:36.262" v="156" actId="164"/>
+          <ac:spMkLst>
+            <pc:docMk/>
+            <pc:sldMk cId="0" sldId="260"/>
+            <ac:spMk id="11" creationId="{58A417E3-C163-4135-A9A4-22CD914C35DC}"/>
+          </ac:spMkLst>
+        </pc:spChg>
+        <pc:spChg chg="mod">
+          <ac:chgData name="Judson Santiago" userId="ebb108da2f256286" providerId="LiveId" clId="{B4AC7A3D-FB04-41E0-90AF-967887E9CB9C}" dt="2021-04-10T18:12:36.262" v="156" actId="164"/>
+          <ac:spMkLst>
+            <pc:docMk/>
+            <pc:sldMk cId="0" sldId="260"/>
+            <ac:spMk id="12" creationId="{6526A97D-4C32-4665-AD83-BE254EF65411}"/>
+          </ac:spMkLst>
+        </pc:spChg>
+        <pc:grpChg chg="add mod">
+          <ac:chgData name="Judson Santiago" userId="ebb108da2f256286" providerId="LiveId" clId="{B4AC7A3D-FB04-41E0-90AF-967887E9CB9C}" dt="2021-04-10T18:12:36.262" v="156" actId="164"/>
+          <ac:grpSpMkLst>
+            <pc:docMk/>
+            <pc:sldMk cId="0" sldId="260"/>
+            <ac:grpSpMk id="5" creationId="{5BF005A3-358B-4F83-B276-E7D205FD9037}"/>
+          </ac:grpSpMkLst>
+        </pc:grpChg>
+        <pc:cxnChg chg="mod">
+          <ac:chgData name="Judson Santiago" userId="ebb108da2f256286" providerId="LiveId" clId="{B4AC7A3D-FB04-41E0-90AF-967887E9CB9C}" dt="2021-04-10T18:12:36.262" v="156" actId="164"/>
+          <ac:cxnSpMkLst>
+            <pc:docMk/>
+            <pc:sldMk cId="0" sldId="260"/>
+            <ac:cxnSpMk id="8" creationId="{8C800CAD-1F7F-4139-9ECD-5AAEEEA990A7}"/>
+          </ac:cxnSpMkLst>
+        </pc:cxnChg>
+      </pc:sldChg>
+      <pc:sldChg chg="addSp modSp mod">
+        <pc:chgData name="Judson Santiago" userId="ebb108da2f256286" providerId="LiveId" clId="{B4AC7A3D-FB04-41E0-90AF-967887E9CB9C}" dt="2021-04-10T17:58:15.174" v="74" actId="1076"/>
+        <pc:sldMkLst>
+          <pc:docMk/>
+          <pc:sldMk cId="0" sldId="261"/>
+        </pc:sldMkLst>
+        <pc:spChg chg="mod">
+          <ac:chgData name="Judson Santiago" userId="ebb108da2f256286" providerId="LiveId" clId="{B4AC7A3D-FB04-41E0-90AF-967887E9CB9C}" dt="2021-04-10T17:56:46.441" v="62" actId="6549"/>
+          <ac:spMkLst>
+            <pc:docMk/>
+            <pc:sldMk cId="0" sldId="261"/>
+            <ac:spMk id="3" creationId="{00000000-0000-0000-0000-000000000000}"/>
+          </ac:spMkLst>
+        </pc:spChg>
+        <pc:spChg chg="mod">
+          <ac:chgData name="Judson Santiago" userId="ebb108da2f256286" providerId="LiveId" clId="{B4AC7A3D-FB04-41E0-90AF-967887E9CB9C}" dt="2021-04-10T17:58:09.885" v="72" actId="1076"/>
+          <ac:spMkLst>
+            <pc:docMk/>
+            <pc:sldMk cId="0" sldId="261"/>
+            <ac:spMk id="4" creationId="{00000000-0000-0000-0000-000000000000}"/>
+          </ac:spMkLst>
+        </pc:spChg>
+        <pc:spChg chg="mod">
+          <ac:chgData name="Judson Santiago" userId="ebb108da2f256286" providerId="LiveId" clId="{B4AC7A3D-FB04-41E0-90AF-967887E9CB9C}" dt="2021-04-10T17:57:29.690" v="68" actId="1076"/>
+          <ac:spMkLst>
+            <pc:docMk/>
+            <pc:sldMk cId="0" sldId="261"/>
+            <ac:spMk id="7" creationId="{D4ED9E78-B597-43B9-872E-9D8526B16597}"/>
+          </ac:spMkLst>
+        </pc:spChg>
+        <pc:spChg chg="add mod">
+          <ac:chgData name="Judson Santiago" userId="ebb108da2f256286" providerId="LiveId" clId="{B4AC7A3D-FB04-41E0-90AF-967887E9CB9C}" dt="2021-04-10T17:58:15.174" v="74" actId="1076"/>
+          <ac:spMkLst>
+            <pc:docMk/>
+            <pc:sldMk cId="0" sldId="261"/>
+            <ac:spMk id="8" creationId="{B8E76898-66D9-4401-844D-E55C982C3FE3}"/>
+          </ac:spMkLst>
+        </pc:spChg>
+      </pc:sldChg>
+      <pc:sldChg chg="addSp delSp modSp mod">
+        <pc:chgData name="Judson Santiago" userId="ebb108da2f256286" providerId="LiveId" clId="{B4AC7A3D-FB04-41E0-90AF-967887E9CB9C}" dt="2021-04-10T18:17:02.798" v="185" actId="20577"/>
+        <pc:sldMkLst>
+          <pc:docMk/>
+          <pc:sldMk cId="0" sldId="263"/>
+        </pc:sldMkLst>
+        <pc:spChg chg="mod">
+          <ac:chgData name="Judson Santiago" userId="ebb108da2f256286" providerId="LiveId" clId="{B4AC7A3D-FB04-41E0-90AF-967887E9CB9C}" dt="2021-04-10T18:17:02.798" v="185" actId="20577"/>
+          <ac:spMkLst>
+            <pc:docMk/>
+            <pc:sldMk cId="0" sldId="263"/>
+            <ac:spMk id="2" creationId="{00000000-0000-0000-0000-000000000000}"/>
+          </ac:spMkLst>
+        </pc:spChg>
+        <pc:spChg chg="mod">
+          <ac:chgData name="Judson Santiago" userId="ebb108da2f256286" providerId="LiveId" clId="{B4AC7A3D-FB04-41E0-90AF-967887E9CB9C}" dt="2021-04-10T18:00:39.281" v="77" actId="20577"/>
+          <ac:spMkLst>
+            <pc:docMk/>
+            <pc:sldMk cId="0" sldId="263"/>
+            <ac:spMk id="3" creationId="{00000000-0000-0000-0000-000000000000}"/>
+          </ac:spMkLst>
+        </pc:spChg>
+        <pc:spChg chg="mod">
+          <ac:chgData name="Judson Santiago" userId="ebb108da2f256286" providerId="LiveId" clId="{B4AC7A3D-FB04-41E0-90AF-967887E9CB9C}" dt="2021-04-10T18:01:44.153" v="86" actId="6549"/>
+          <ac:spMkLst>
+            <pc:docMk/>
+            <pc:sldMk cId="0" sldId="263"/>
+            <ac:spMk id="4" creationId="{00000000-0000-0000-0000-000000000000}"/>
+          </ac:spMkLst>
+        </pc:spChg>
+        <pc:spChg chg="add mod">
+          <ac:chgData name="Judson Santiago" userId="ebb108da2f256286" providerId="LiveId" clId="{B4AC7A3D-FB04-41E0-90AF-967887E9CB9C}" dt="2021-04-10T18:01:13.668" v="83" actId="1076"/>
+          <ac:spMkLst>
+            <pc:docMk/>
+            <pc:sldMk cId="0" sldId="263"/>
+            <ac:spMk id="6" creationId="{55B94022-82B6-4FCC-90F4-58E46FF96B5B}"/>
+          </ac:spMkLst>
+        </pc:spChg>
+        <pc:cxnChg chg="del">
+          <ac:chgData name="Judson Santiago" userId="ebb108da2f256286" providerId="LiveId" clId="{B4AC7A3D-FB04-41E0-90AF-967887E9CB9C}" dt="2021-04-10T18:01:03.786" v="80" actId="478"/>
+          <ac:cxnSpMkLst>
+            <pc:docMk/>
+            <pc:sldMk cId="0" sldId="263"/>
+            <ac:cxnSpMk id="7" creationId="{00000000-0000-0000-0000-000000000000}"/>
+          </ac:cxnSpMkLst>
+        </pc:cxnChg>
+      </pc:sldChg>
+      <pc:sldChg chg="addSp modSp mod">
+        <pc:chgData name="Judson Santiago" userId="ebb108da2f256286" providerId="LiveId" clId="{B4AC7A3D-FB04-41E0-90AF-967887E9CB9C}" dt="2021-04-10T18:56:58.982" v="716" actId="20577"/>
+        <pc:sldMkLst>
+          <pc:docMk/>
+          <pc:sldMk cId="0" sldId="264"/>
+        </pc:sldMkLst>
+        <pc:spChg chg="mod">
+          <ac:chgData name="Judson Santiago" userId="ebb108da2f256286" providerId="LiveId" clId="{B4AC7A3D-FB04-41E0-90AF-967887E9CB9C}" dt="2021-04-10T18:17:16.274" v="186"/>
+          <ac:spMkLst>
+            <pc:docMk/>
+            <pc:sldMk cId="0" sldId="264"/>
+            <ac:spMk id="2" creationId="{00000000-0000-0000-0000-000000000000}"/>
+          </ac:spMkLst>
+        </pc:spChg>
+        <pc:spChg chg="add mod">
+          <ac:chgData name="Judson Santiago" userId="ebb108da2f256286" providerId="LiveId" clId="{B4AC7A3D-FB04-41E0-90AF-967887E9CB9C}" dt="2021-04-10T18:56:58.982" v="716" actId="20577"/>
+          <ac:spMkLst>
+            <pc:docMk/>
+            <pc:sldMk cId="0" sldId="264"/>
+            <ac:spMk id="5" creationId="{4863F52A-629F-4188-94D1-3A8EA5EB98AA}"/>
+          </ac:spMkLst>
+        </pc:spChg>
+      </pc:sldChg>
+      <pc:sldChg chg="modSp mod">
+        <pc:chgData name="Judson Santiago" userId="ebb108da2f256286" providerId="LiveId" clId="{B4AC7A3D-FB04-41E0-90AF-967887E9CB9C}" dt="2021-04-10T18:17:20.946" v="187"/>
+        <pc:sldMkLst>
+          <pc:docMk/>
+          <pc:sldMk cId="0" sldId="265"/>
+        </pc:sldMkLst>
+        <pc:spChg chg="mod">
+          <ac:chgData name="Judson Santiago" userId="ebb108da2f256286" providerId="LiveId" clId="{B4AC7A3D-FB04-41E0-90AF-967887E9CB9C}" dt="2021-04-10T18:17:20.946" v="187"/>
+          <ac:spMkLst>
+            <pc:docMk/>
+            <pc:sldMk cId="0" sldId="265"/>
+            <ac:spMk id="2" creationId="{00000000-0000-0000-0000-000000000000}"/>
+          </ac:spMkLst>
+        </pc:spChg>
+        <pc:spChg chg="mod">
+          <ac:chgData name="Judson Santiago" userId="ebb108da2f256286" providerId="LiveId" clId="{B4AC7A3D-FB04-41E0-90AF-967887E9CB9C}" dt="2021-04-10T18:03:10.713" v="87" actId="20577"/>
+          <ac:spMkLst>
+            <pc:docMk/>
+            <pc:sldMk cId="0" sldId="265"/>
+            <ac:spMk id="3" creationId="{00000000-0000-0000-0000-000000000000}"/>
+          </ac:spMkLst>
+        </pc:spChg>
+        <pc:spChg chg="mod">
+          <ac:chgData name="Judson Santiago" userId="ebb108da2f256286" providerId="LiveId" clId="{B4AC7A3D-FB04-41E0-90AF-967887E9CB9C}" dt="2021-04-10T18:03:46.480" v="92" actId="1076"/>
+          <ac:spMkLst>
+            <pc:docMk/>
+            <pc:sldMk cId="0" sldId="265"/>
+            <ac:spMk id="5" creationId="{00000000-0000-0000-0000-000000000000}"/>
+          </ac:spMkLst>
+        </pc:spChg>
+        <pc:spChg chg="mod">
+          <ac:chgData name="Judson Santiago" userId="ebb108da2f256286" providerId="LiveId" clId="{B4AC7A3D-FB04-41E0-90AF-967887E9CB9C}" dt="2021-04-10T18:03:41.313" v="91" actId="1076"/>
+          <ac:spMkLst>
+            <pc:docMk/>
+            <pc:sldMk cId="0" sldId="265"/>
+            <ac:spMk id="6" creationId="{00000000-0000-0000-0000-000000000000}"/>
+          </ac:spMkLst>
+        </pc:spChg>
+      </pc:sldChg>
+      <pc:sldChg chg="modSp mod">
+        <pc:chgData name="Judson Santiago" userId="ebb108da2f256286" providerId="LiveId" clId="{B4AC7A3D-FB04-41E0-90AF-967887E9CB9C}" dt="2021-04-10T18:18:48.357" v="232" actId="20577"/>
+        <pc:sldMkLst>
+          <pc:docMk/>
+          <pc:sldMk cId="0" sldId="266"/>
+        </pc:sldMkLst>
+        <pc:spChg chg="mod">
+          <ac:chgData name="Judson Santiago" userId="ebb108da2f256286" providerId="LiveId" clId="{B4AC7A3D-FB04-41E0-90AF-967887E9CB9C}" dt="2021-04-10T18:18:48.357" v="232" actId="20577"/>
+          <ac:spMkLst>
+            <pc:docMk/>
+            <pc:sldMk cId="0" sldId="266"/>
+            <ac:spMk id="2" creationId="{00000000-0000-0000-0000-000000000000}"/>
+          </ac:spMkLst>
+        </pc:spChg>
+        <pc:spChg chg="mod">
+          <ac:chgData name="Judson Santiago" userId="ebb108da2f256286" providerId="LiveId" clId="{B4AC7A3D-FB04-41E0-90AF-967887E9CB9C}" dt="2021-04-10T18:04:37.436" v="96" actId="948"/>
+          <ac:spMkLst>
+            <pc:docMk/>
+            <pc:sldMk cId="0" sldId="266"/>
+            <ac:spMk id="3" creationId="{00000000-0000-0000-0000-000000000000}"/>
+          </ac:spMkLst>
+        </pc:spChg>
+        <pc:spChg chg="mod">
+          <ac:chgData name="Judson Santiago" userId="ebb108da2f256286" providerId="LiveId" clId="{B4AC7A3D-FB04-41E0-90AF-967887E9CB9C}" dt="2021-04-10T18:04:43" v="97" actId="1076"/>
+          <ac:spMkLst>
+            <pc:docMk/>
+            <pc:sldMk cId="0" sldId="266"/>
+            <ac:spMk id="4" creationId="{00000000-0000-0000-0000-000000000000}"/>
+          </ac:spMkLst>
+        </pc:spChg>
+      </pc:sldChg>
+      <pc:sldChg chg="modSp mod">
+        <pc:chgData name="Judson Santiago" userId="ebb108da2f256286" providerId="LiveId" clId="{B4AC7A3D-FB04-41E0-90AF-967887E9CB9C}" dt="2021-04-10T18:07:57.525" v="112" actId="1076"/>
+        <pc:sldMkLst>
+          <pc:docMk/>
+          <pc:sldMk cId="0" sldId="267"/>
+        </pc:sldMkLst>
+        <pc:spChg chg="mod">
+          <ac:chgData name="Judson Santiago" userId="ebb108da2f256286" providerId="LiveId" clId="{B4AC7A3D-FB04-41E0-90AF-967887E9CB9C}" dt="2021-04-10T18:07:20.640" v="109" actId="20577"/>
+          <ac:spMkLst>
+            <pc:docMk/>
+            <pc:sldMk cId="0" sldId="267"/>
+            <ac:spMk id="3" creationId="{00000000-0000-0000-0000-000000000000}"/>
+          </ac:spMkLst>
+        </pc:spChg>
+        <pc:spChg chg="mod">
+          <ac:chgData name="Judson Santiago" userId="ebb108da2f256286" providerId="LiveId" clId="{B4AC7A3D-FB04-41E0-90AF-967887E9CB9C}" dt="2021-04-10T18:07:57.525" v="112" actId="1076"/>
+          <ac:spMkLst>
+            <pc:docMk/>
+            <pc:sldMk cId="0" sldId="267"/>
+            <ac:spMk id="4" creationId="{00000000-0000-0000-0000-000000000000}"/>
+          </ac:spMkLst>
+        </pc:spChg>
+        <pc:spChg chg="mod">
+          <ac:chgData name="Judson Santiago" userId="ebb108da2f256286" providerId="LiveId" clId="{B4AC7A3D-FB04-41E0-90AF-967887E9CB9C}" dt="2021-04-10T18:07:46.470" v="110" actId="1076"/>
+          <ac:spMkLst>
+            <pc:docMk/>
+            <pc:sldMk cId="0" sldId="267"/>
+            <ac:spMk id="6" creationId="{00000000-0000-0000-0000-000000000000}"/>
+          </ac:spMkLst>
+        </pc:spChg>
+      </pc:sldChg>
+      <pc:sldChg chg="addSp modSp mod">
+        <pc:chgData name="Judson Santiago" userId="ebb108da2f256286" providerId="LiveId" clId="{B4AC7A3D-FB04-41E0-90AF-967887E9CB9C}" dt="2021-04-10T18:56:49.526" v="710" actId="20577"/>
+        <pc:sldMkLst>
+          <pc:docMk/>
+          <pc:sldMk cId="0" sldId="269"/>
+        </pc:sldMkLst>
+        <pc:spChg chg="add mod">
+          <ac:chgData name="Judson Santiago" userId="ebb108da2f256286" providerId="LiveId" clId="{B4AC7A3D-FB04-41E0-90AF-967887E9CB9C}" dt="2021-04-10T18:56:49.526" v="710" actId="20577"/>
+          <ac:spMkLst>
+            <pc:docMk/>
+            <pc:sldMk cId="0" sldId="269"/>
+            <ac:spMk id="5" creationId="{484E7968-FC78-454A-88F6-F067677D1C40}"/>
+          </ac:spMkLst>
+        </pc:spChg>
+      </pc:sldChg>
+      <pc:sldChg chg="modSp mod">
+        <pc:chgData name="Judson Santiago" userId="ebb108da2f256286" providerId="LiveId" clId="{B4AC7A3D-FB04-41E0-90AF-967887E9CB9C}" dt="2021-04-10T18:10:24.046" v="135" actId="1037"/>
+        <pc:sldMkLst>
+          <pc:docMk/>
+          <pc:sldMk cId="0" sldId="270"/>
+        </pc:sldMkLst>
+        <pc:spChg chg="mod">
+          <ac:chgData name="Judson Santiago" userId="ebb108da2f256286" providerId="LiveId" clId="{B4AC7A3D-FB04-41E0-90AF-967887E9CB9C}" dt="2021-04-10T18:10:24.046" v="135" actId="1037"/>
+          <ac:spMkLst>
+            <pc:docMk/>
+            <pc:sldMk cId="0" sldId="270"/>
+            <ac:spMk id="5" creationId="{00000000-0000-0000-0000-000000000000}"/>
+          </ac:spMkLst>
+        </pc:spChg>
+        <pc:spChg chg="mod">
+          <ac:chgData name="Judson Santiago" userId="ebb108da2f256286" providerId="LiveId" clId="{B4AC7A3D-FB04-41E0-90AF-967887E9CB9C}" dt="2021-04-10T18:08:47.090" v="113" actId="1076"/>
+          <ac:spMkLst>
+            <pc:docMk/>
+            <pc:sldMk cId="0" sldId="270"/>
+            <ac:spMk id="6" creationId="{00000000-0000-0000-0000-000000000000}"/>
+          </ac:spMkLst>
+        </pc:spChg>
+      </pc:sldChg>
+      <pc:sldChg chg="addSp delSp modSp mod">
+        <pc:chgData name="Judson Santiago" userId="ebb108da2f256286" providerId="LiveId" clId="{B4AC7A3D-FB04-41E0-90AF-967887E9CB9C}" dt="2021-04-10T18:27:10.036" v="574" actId="20577"/>
+        <pc:sldMkLst>
+          <pc:docMk/>
+          <pc:sldMk cId="0" sldId="279"/>
+        </pc:sldMkLst>
+        <pc:spChg chg="mod">
+          <ac:chgData name="Judson Santiago" userId="ebb108da2f256286" providerId="LiveId" clId="{B4AC7A3D-FB04-41E0-90AF-967887E9CB9C}" dt="2021-04-10T18:27:10.036" v="574" actId="20577"/>
+          <ac:spMkLst>
+            <pc:docMk/>
+            <pc:sldMk cId="0" sldId="279"/>
+            <ac:spMk id="2" creationId="{00000000-0000-0000-0000-000000000000}"/>
+          </ac:spMkLst>
+        </pc:spChg>
+        <pc:spChg chg="mod">
+          <ac:chgData name="Judson Santiago" userId="ebb108da2f256286" providerId="LiveId" clId="{B4AC7A3D-FB04-41E0-90AF-967887E9CB9C}" dt="2021-04-10T18:11:11.182" v="143" actId="948"/>
+          <ac:spMkLst>
+            <pc:docMk/>
+            <pc:sldMk cId="0" sldId="279"/>
+            <ac:spMk id="3" creationId="{00000000-0000-0000-0000-000000000000}"/>
+          </ac:spMkLst>
+        </pc:spChg>
+        <pc:spChg chg="mod">
+          <ac:chgData name="Judson Santiago" userId="ebb108da2f256286" providerId="LiveId" clId="{B4AC7A3D-FB04-41E0-90AF-967887E9CB9C}" dt="2021-04-10T18:14:12.792" v="169" actId="20577"/>
+          <ac:spMkLst>
+            <pc:docMk/>
+            <pc:sldMk cId="0" sldId="279"/>
+            <ac:spMk id="4" creationId="{00000000-0000-0000-0000-000000000000}"/>
+          </ac:spMkLst>
+        </pc:spChg>
+        <pc:spChg chg="mod">
+          <ac:chgData name="Judson Santiago" userId="ebb108da2f256286" providerId="LiveId" clId="{B4AC7A3D-FB04-41E0-90AF-967887E9CB9C}" dt="2021-04-10T18:10:58.414" v="141" actId="1076"/>
+          <ac:spMkLst>
+            <pc:docMk/>
+            <pc:sldMk cId="0" sldId="279"/>
+            <ac:spMk id="5" creationId="{00000000-0000-0000-0000-000000000000}"/>
+          </ac:spMkLst>
+        </pc:spChg>
+        <pc:spChg chg="add del mod">
+          <ac:chgData name="Judson Santiago" userId="ebb108da2f256286" providerId="LiveId" clId="{B4AC7A3D-FB04-41E0-90AF-967887E9CB9C}" dt="2021-04-10T18:14:17.047" v="172" actId="478"/>
+          <ac:spMkLst>
+            <pc:docMk/>
+            <pc:sldMk cId="0" sldId="279"/>
+            <ac:spMk id="6" creationId="{30E83F5C-92D7-4032-80EA-623222496308}"/>
+          </ac:spMkLst>
+        </pc:spChg>
+      </pc:sldChg>
+      <pc:sldChg chg="modSp mod">
+        <pc:chgData name="Judson Santiago" userId="ebb108da2f256286" providerId="LiveId" clId="{B4AC7A3D-FB04-41E0-90AF-967887E9CB9C}" dt="2021-04-10T18:15:50.100" v="174"/>
+        <pc:sldMkLst>
+          <pc:docMk/>
+          <pc:sldMk cId="0" sldId="280"/>
+        </pc:sldMkLst>
+        <pc:spChg chg="mod">
+          <ac:chgData name="Judson Santiago" userId="ebb108da2f256286" providerId="LiveId" clId="{B4AC7A3D-FB04-41E0-90AF-967887E9CB9C}" dt="2021-04-10T18:15:50.100" v="174"/>
+          <ac:spMkLst>
+            <pc:docMk/>
+            <pc:sldMk cId="0" sldId="280"/>
+            <ac:spMk id="2" creationId="{00000000-0000-0000-0000-000000000000}"/>
+          </ac:spMkLst>
+        </pc:spChg>
+      </pc:sldChg>
+      <pc:sldChg chg="modSp mod">
+        <pc:chgData name="Judson Santiago" userId="ebb108da2f256286" providerId="LiveId" clId="{B4AC7A3D-FB04-41E0-90AF-967887E9CB9C}" dt="2021-04-10T18:19:02.818" v="233"/>
+        <pc:sldMkLst>
+          <pc:docMk/>
+          <pc:sldMk cId="150217394" sldId="291"/>
+        </pc:sldMkLst>
+        <pc:spChg chg="mod">
+          <ac:chgData name="Judson Santiago" userId="ebb108da2f256286" providerId="LiveId" clId="{B4AC7A3D-FB04-41E0-90AF-967887E9CB9C}" dt="2021-04-10T18:19:02.818" v="233"/>
+          <ac:spMkLst>
+            <pc:docMk/>
+            <pc:sldMk cId="150217394" sldId="291"/>
+            <ac:spMk id="2" creationId="{00000000-0000-0000-0000-000000000000}"/>
+          </ac:spMkLst>
+        </pc:spChg>
+        <pc:spChg chg="mod">
+          <ac:chgData name="Judson Santiago" userId="ebb108da2f256286" providerId="LiveId" clId="{B4AC7A3D-FB04-41E0-90AF-967887E9CB9C}" dt="2021-04-10T18:05:34.824" v="99" actId="948"/>
+          <ac:spMkLst>
+            <pc:docMk/>
+            <pc:sldMk cId="150217394" sldId="291"/>
+            <ac:spMk id="3" creationId="{00000000-0000-0000-0000-000000000000}"/>
+          </ac:spMkLst>
+        </pc:spChg>
+        <pc:spChg chg="mod">
+          <ac:chgData name="Judson Santiago" userId="ebb108da2f256286" providerId="LiveId" clId="{B4AC7A3D-FB04-41E0-90AF-967887E9CB9C}" dt="2021-04-10T18:05:39.389" v="100" actId="1076"/>
+          <ac:spMkLst>
+            <pc:docMk/>
+            <pc:sldMk cId="150217394" sldId="291"/>
+            <ac:spMk id="4" creationId="{00000000-0000-0000-0000-000000000000}"/>
+          </ac:spMkLst>
+        </pc:spChg>
+      </pc:sldChg>
+      <pc:sldChg chg="modSp mod">
+        <pc:chgData name="Judson Santiago" userId="ebb108da2f256286" providerId="LiveId" clId="{B4AC7A3D-FB04-41E0-90AF-967887E9CB9C}" dt="2021-04-10T18:19:06.290" v="234"/>
+        <pc:sldMkLst>
+          <pc:docMk/>
+          <pc:sldMk cId="2324643297" sldId="292"/>
+        </pc:sldMkLst>
+        <pc:spChg chg="mod">
+          <ac:chgData name="Judson Santiago" userId="ebb108da2f256286" providerId="LiveId" clId="{B4AC7A3D-FB04-41E0-90AF-967887E9CB9C}" dt="2021-04-10T18:19:06.290" v="234"/>
+          <ac:spMkLst>
+            <pc:docMk/>
+            <pc:sldMk cId="2324643297" sldId="292"/>
+            <ac:spMk id="2" creationId="{00000000-0000-0000-0000-000000000000}"/>
+          </ac:spMkLst>
+        </pc:spChg>
+        <pc:spChg chg="mod">
+          <ac:chgData name="Judson Santiago" userId="ebb108da2f256286" providerId="LiveId" clId="{B4AC7A3D-FB04-41E0-90AF-967887E9CB9C}" dt="2021-04-10T18:06:16.872" v="106" actId="20577"/>
+          <ac:spMkLst>
+            <pc:docMk/>
+            <pc:sldMk cId="2324643297" sldId="292"/>
+            <ac:spMk id="3" creationId="{00000000-0000-0000-0000-000000000000}"/>
+          </ac:spMkLst>
+        </pc:spChg>
+        <pc:spChg chg="mod">
+          <ac:chgData name="Judson Santiago" userId="ebb108da2f256286" providerId="LiveId" clId="{B4AC7A3D-FB04-41E0-90AF-967887E9CB9C}" dt="2021-04-10T18:06:02.240" v="103" actId="1076"/>
+          <ac:spMkLst>
+            <pc:docMk/>
+            <pc:sldMk cId="2324643297" sldId="292"/>
+            <ac:spMk id="4" creationId="{00000000-0000-0000-0000-000000000000}"/>
+          </ac:spMkLst>
+        </pc:spChg>
+      </pc:sldChg>
+      <pc:sldChg chg="modSp mod">
+        <pc:chgData name="Judson Santiago" userId="ebb108da2f256286" providerId="LiveId" clId="{B4AC7A3D-FB04-41E0-90AF-967887E9CB9C}" dt="2021-04-10T17:56:39.138" v="57" actId="6549"/>
+        <pc:sldMkLst>
+          <pc:docMk/>
+          <pc:sldMk cId="1291353189" sldId="293"/>
+        </pc:sldMkLst>
+        <pc:spChg chg="mod">
+          <ac:chgData name="Judson Santiago" userId="ebb108da2f256286" providerId="LiveId" clId="{B4AC7A3D-FB04-41E0-90AF-967887E9CB9C}" dt="2021-04-10T17:56:39.138" v="57" actId="6549"/>
+          <ac:spMkLst>
+            <pc:docMk/>
+            <pc:sldMk cId="1291353189" sldId="293"/>
+            <ac:spMk id="3" creationId="{00000000-0000-0000-0000-000000000000}"/>
+          </ac:spMkLst>
+        </pc:spChg>
+      </pc:sldChg>
+      <pc:sldChg chg="modSp mod">
+        <pc:chgData name="Judson Santiago" userId="ebb108da2f256286" providerId="LiveId" clId="{B4AC7A3D-FB04-41E0-90AF-967887E9CB9C}" dt="2021-04-10T18:00:17.321" v="76" actId="6549"/>
+        <pc:sldMkLst>
+          <pc:docMk/>
+          <pc:sldMk cId="3125675936" sldId="295"/>
+        </pc:sldMkLst>
+        <pc:spChg chg="mod">
+          <ac:chgData name="Judson Santiago" userId="ebb108da2f256286" providerId="LiveId" clId="{B4AC7A3D-FB04-41E0-90AF-967887E9CB9C}" dt="2021-04-10T18:00:17.321" v="76" actId="6549"/>
+          <ac:spMkLst>
+            <pc:docMk/>
+            <pc:sldMk cId="3125675936" sldId="295"/>
+            <ac:spMk id="16" creationId="{E0595E15-D279-446F-AC65-FF1AFB3AD401}"/>
+          </ac:spMkLst>
+        </pc:spChg>
+      </pc:sldChg>
+      <pc:sldChg chg="addSp modSp add mod modNotesTx">
+        <pc:chgData name="Judson Santiago" userId="ebb108da2f256286" providerId="LiveId" clId="{B4AC7A3D-FB04-41E0-90AF-967887E9CB9C}" dt="2021-04-10T18:54:23.134" v="664" actId="20577"/>
+        <pc:sldMkLst>
+          <pc:docMk/>
+          <pc:sldMk cId="254476723" sldId="296"/>
+        </pc:sldMkLst>
+        <pc:spChg chg="mod">
+          <ac:chgData name="Judson Santiago" userId="ebb108da2f256286" providerId="LiveId" clId="{B4AC7A3D-FB04-41E0-90AF-967887E9CB9C}" dt="2021-04-10T18:27:25.945" v="575"/>
+          <ac:spMkLst>
+            <pc:docMk/>
+            <pc:sldMk cId="254476723" sldId="296"/>
+            <ac:spMk id="2" creationId="{00000000-0000-0000-0000-000000000000}"/>
+          </ac:spMkLst>
+        </pc:spChg>
+        <pc:spChg chg="mod">
+          <ac:chgData name="Judson Santiago" userId="ebb108da2f256286" providerId="LiveId" clId="{B4AC7A3D-FB04-41E0-90AF-967887E9CB9C}" dt="2021-04-10T18:25:40.968" v="560" actId="207"/>
+          <ac:spMkLst>
+            <pc:docMk/>
+            <pc:sldMk cId="254476723" sldId="296"/>
+            <ac:spMk id="4" creationId="{00000000-0000-0000-0000-000000000000}"/>
+          </ac:spMkLst>
+        </pc:spChg>
+        <pc:spChg chg="mod">
+          <ac:chgData name="Judson Santiago" userId="ebb108da2f256286" providerId="LiveId" clId="{B4AC7A3D-FB04-41E0-90AF-967887E9CB9C}" dt="2021-04-10T18:28:54.823" v="576"/>
+          <ac:spMkLst>
+            <pc:docMk/>
+            <pc:sldMk cId="254476723" sldId="296"/>
+            <ac:spMk id="6" creationId="{7AA29E93-B38A-4DCC-9B78-FB8CB52F6766}"/>
+          </ac:spMkLst>
+        </pc:spChg>
+        <pc:spChg chg="mod">
+          <ac:chgData name="Judson Santiago" userId="ebb108da2f256286" providerId="LiveId" clId="{B4AC7A3D-FB04-41E0-90AF-967887E9CB9C}" dt="2021-04-10T18:28:54.823" v="576"/>
+          <ac:spMkLst>
+            <pc:docMk/>
+            <pc:sldMk cId="254476723" sldId="296"/>
+            <ac:spMk id="7" creationId="{CDE10779-89AA-4B2E-89DB-BC3779B815D7}"/>
+          </ac:spMkLst>
+        </pc:spChg>
+        <pc:spChg chg="add mod">
+          <ac:chgData name="Judson Santiago" userId="ebb108da2f256286" providerId="LiveId" clId="{B4AC7A3D-FB04-41E0-90AF-967887E9CB9C}" dt="2021-04-10T18:54:23.134" v="664" actId="20577"/>
+          <ac:spMkLst>
+            <pc:docMk/>
+            <pc:sldMk cId="254476723" sldId="296"/>
+            <ac:spMk id="8" creationId="{6E46A5F0-176C-4144-9CE8-3BCB33F2E4A4}"/>
+          </ac:spMkLst>
+        </pc:spChg>
+        <pc:grpChg chg="add mod">
+          <ac:chgData name="Judson Santiago" userId="ebb108da2f256286" providerId="LiveId" clId="{B4AC7A3D-FB04-41E0-90AF-967887E9CB9C}" dt="2021-04-10T18:28:54.823" v="576"/>
+          <ac:grpSpMkLst>
+            <pc:docMk/>
+            <pc:sldMk cId="254476723" sldId="296"/>
+            <ac:grpSpMk id="5" creationId="{191CCA5F-09F2-49E5-B95A-3DAF34434CAB}"/>
+          </ac:grpSpMkLst>
+        </pc:grpChg>
+      </pc:sldChg>
+      <pc:sldMasterChg chg="setBg modSldLayout">
+        <pc:chgData name="Judson Santiago" userId="ebb108da2f256286" providerId="LiveId" clId="{B4AC7A3D-FB04-41E0-90AF-967887E9CB9C}" dt="2021-04-10T05:37:30.828" v="17" actId="167"/>
+        <pc:sldMasterMkLst>
+          <pc:docMk/>
+          <pc:sldMasterMk cId="0" sldId="2147483660"/>
+        </pc:sldMasterMkLst>
+        <pc:sldLayoutChg chg="addSp modSp mod">
+          <pc:chgData name="Judson Santiago" userId="ebb108da2f256286" providerId="LiveId" clId="{B4AC7A3D-FB04-41E0-90AF-967887E9CB9C}" dt="2021-04-10T05:37:30.828" v="17" actId="167"/>
+          <pc:sldLayoutMkLst>
+            <pc:docMk/>
+            <pc:sldMasterMk cId="0" sldId="2147483660"/>
+            <pc:sldLayoutMk cId="0" sldId="2147483661"/>
+          </pc:sldLayoutMkLst>
+          <pc:picChg chg="add mod ord">
+            <ac:chgData name="Judson Santiago" userId="ebb108da2f256286" providerId="LiveId" clId="{B4AC7A3D-FB04-41E0-90AF-967887E9CB9C}" dt="2021-04-10T05:37:30.828" v="17" actId="167"/>
+            <ac:picMkLst>
+              <pc:docMk/>
+              <pc:sldMasterMk cId="0" sldId="2147483660"/>
+              <pc:sldLayoutMk cId="0" sldId="2147483661"/>
+              <ac:picMk id="13" creationId="{00D4579F-4B44-4992-BB87-3D11AA1CCC48}"/>
+            </ac:picMkLst>
+          </pc:picChg>
+        </pc:sldLayoutChg>
+      </pc:sldMasterChg>
+    </pc:docChg>
+  </pc:docChgLst>
   <pc:docChgLst>
     <pc:chgData name="Judson Santiago" userId="ebb108da2f256286" providerId="LiveId" clId="{B1FB2B41-F64C-469C-A7EA-030C14402C29}"/>
     <pc:docChg chg="undo custSel modSld">
@@ -672,9 +1241,6 @@
         </pc:sldMkLst>
       </pc:sldChg>
     </pc:docChg>
-  </pc:docChgLst>
-  <pc:docChgLst>
-    <pc:chgData name="Judson Santiago" userId="ebb108da2f256286" providerId="LiveId" clId="{CE573FB9-5FEC-4BEF-AC4E-665B2FDCBEAA}"/>
   </pc:docChgLst>
   <pc:docChgLst>
     <pc:chgData name="Judson Santiago" userId="ebb108da2f256286" providerId="LiveId" clId="{8595BBAA-1646-40AA-8C79-F8C8FB735671}"/>
@@ -1582,7 +2148,7 @@
             <a:fld id="{9E73A7BA-D908-47E0-AECE-9ED68E29049B}" type="datetimeFigureOut">
               <a:rPr lang="pt-BR" smtClean="0"/>
               <a:pPr/>
-              <a:t>31/10/2019</a:t>
+              <a:t>10/04/2021</a:t>
             </a:fld>
             <a:endParaRPr lang="pt-BR"/>
           </a:p>
@@ -1965,6 +2531,119 @@
 </p:notes>
 </file>
 
+<file path=ppt/notesSlides/notesSlide10.xml><?xml version="1.0" encoding="utf-8"?>
+<p:notes xmlns:a="http://schemas.openxmlformats.org/drawingml/2006/main" xmlns:r="http://schemas.openxmlformats.org/officeDocument/2006/relationships" xmlns:p="http://schemas.openxmlformats.org/presentationml/2006/main">
+  <p:cSld>
+    <p:spTree>
+      <p:nvGrpSpPr>
+        <p:cNvPr id="1" name=""/>
+        <p:cNvGrpSpPr/>
+        <p:nvPr/>
+      </p:nvGrpSpPr>
+      <p:grpSpPr>
+        <a:xfrm>
+          <a:off x="0" y="0"/>
+          <a:ext cx="0" cy="0"/>
+          <a:chOff x="0" y="0"/>
+          <a:chExt cx="0" cy="0"/>
+        </a:xfrm>
+      </p:grpSpPr>
+      <p:sp>
+        <p:nvSpPr>
+          <p:cNvPr id="2" name="Espaço Reservado para Imagem de Slide 1"/>
+          <p:cNvSpPr>
+            <a:spLocks noGrp="1" noRot="1" noChangeAspect="1"/>
+          </p:cNvSpPr>
+          <p:nvPr>
+            <p:ph type="sldImg"/>
+          </p:nvPr>
+        </p:nvSpPr>
+        <p:spPr/>
+      </p:sp>
+      <p:sp>
+        <p:nvSpPr>
+          <p:cNvPr id="3" name="Espaço Reservado para Anotações 2"/>
+          <p:cNvSpPr>
+            <a:spLocks noGrp="1"/>
+          </p:cNvSpPr>
+          <p:nvPr>
+            <p:ph type="body" idx="1"/>
+          </p:nvPr>
+        </p:nvSpPr>
+        <p:spPr/>
+        <p:txBody>
+          <a:bodyPr/>
+          <a:lstStyle/>
+          <a:p>
+            <a:pPr marL="0" marR="0" lvl="0" indent="0" algn="l" defTabSz="914400" rtl="0" eaLnBrk="1" fontAlgn="auto" latinLnBrk="0" hangingPunct="1">
+              <a:lnSpc>
+                <a:spcPct val="100000"/>
+              </a:lnSpc>
+              <a:spcBef>
+                <a:spcPts val="0"/>
+              </a:spcBef>
+              <a:spcAft>
+                <a:spcPts val="0"/>
+              </a:spcAft>
+              <a:buClrTx/>
+              <a:buSzTx/>
+              <a:buFontTx/>
+              <a:buNone/>
+              <a:tabLst/>
+              <a:defRPr/>
+            </a:pPr>
+            <a:r>
+              <a:rPr lang="pt-BR" sz="1200" dirty="0">
+                <a:solidFill>
+                  <a:schemeClr val="bg1"/>
+                </a:solidFill>
+              </a:rPr>
+              <a:t>» Resolver os “Exercícios de Revisão” do Laboratório 12</a:t>
+            </a:r>
+            <a:endParaRPr lang="pt-BR" baseline="0" dirty="0"/>
+          </a:p>
+          <a:p>
+            <a:endParaRPr lang="pt-BR" dirty="0"/>
+          </a:p>
+        </p:txBody>
+      </p:sp>
+      <p:sp>
+        <p:nvSpPr>
+          <p:cNvPr id="4" name="Espaço Reservado para Número de Slide 3"/>
+          <p:cNvSpPr>
+            <a:spLocks noGrp="1"/>
+          </p:cNvSpPr>
+          <p:nvPr>
+            <p:ph type="sldNum" sz="quarter" idx="5"/>
+          </p:nvPr>
+        </p:nvSpPr>
+        <p:spPr/>
+        <p:txBody>
+          <a:bodyPr/>
+          <a:lstStyle/>
+          <a:p>
+            <a:fld id="{EE40C300-7E0A-46C4-9DB8-34F3F387883F}" type="slidenum">
+              <a:rPr lang="pt-BR" smtClean="0"/>
+              <a:pPr/>
+              <a:t>21</a:t>
+            </a:fld>
+            <a:endParaRPr lang="pt-BR"/>
+          </a:p>
+        </p:txBody>
+      </p:sp>
+    </p:spTree>
+    <p:extLst>
+      <p:ext uri="{BB962C8B-B14F-4D97-AF65-F5344CB8AC3E}">
+        <p14:creationId xmlns:p14="http://schemas.microsoft.com/office/powerpoint/2010/main" val="2071062165"/>
+      </p:ext>
+    </p:extLst>
+  </p:cSld>
+  <p:clrMapOvr>
+    <a:masterClrMapping/>
+  </p:clrMapOvr>
+</p:notes>
+</file>
+
 <file path=ppt/notesSlides/notesSlide2.xml><?xml version="1.0" encoding="utf-8"?>
 <p:notes xmlns:a="http://schemas.openxmlformats.org/drawingml/2006/main" xmlns:r="http://schemas.openxmlformats.org/officeDocument/2006/relationships" xmlns:p="http://schemas.openxmlformats.org/presentationml/2006/main">
   <p:cSld>
@@ -2906,6 +3585,37 @@
           <a:chExt cx="0" cy="0"/>
         </a:xfrm>
       </p:grpSpPr>
+      <p:pic>
+        <p:nvPicPr>
+          <p:cNvPr id="13" name="Picture 3" descr="Rede de tecnologia iluminada em uma tela de fundo escura">
+            <a:extLst>
+              <a:ext uri="{FF2B5EF4-FFF2-40B4-BE49-F238E27FC236}">
+                <a16:creationId xmlns:a16="http://schemas.microsoft.com/office/drawing/2014/main" id="{00D4579F-4B44-4992-BB87-3D11AA1CCC48}"/>
+              </a:ext>
+            </a:extLst>
+          </p:cNvPr>
+          <p:cNvPicPr>
+            <a:picLocks noChangeAspect="1"/>
+          </p:cNvPicPr>
+          <p:nvPr userDrawn="1"/>
+        </p:nvPicPr>
+        <p:blipFill rotWithShape="1">
+          <a:blip r:embed="rId2">
+            <a:alphaModFix amt="30000"/>
+          </a:blip>
+          <a:srcRect t="22329"/>
+          <a:stretch/>
+        </p:blipFill>
+        <p:spPr>
+          <a:xfrm flipH="1" flipV="1">
+            <a:off x="487680" y="0"/>
+            <a:ext cx="11704320" cy="6858000"/>
+          </a:xfrm>
+          <a:prstGeom prst="rect">
+            <a:avLst/>
+          </a:prstGeom>
+        </p:spPr>
+      </p:pic>
       <p:sp>
         <p:nvSpPr>
           <p:cNvPr id="32" name="Retângulo 31"/>
@@ -2972,7 +3682,7 @@
             <a:fld id="{310C4530-1F4B-477E-BE12-223DEE1EDA2C}" type="datetimeFigureOut">
               <a:rPr lang="pt-BR" smtClean="0"/>
               <a:pPr/>
-              <a:t>31/10/2019</a:t>
+              <a:t>10/04/2021</a:t>
             </a:fld>
             <a:endParaRPr lang="pt-BR"/>
           </a:p>
@@ -3479,7 +4189,7 @@
             <a:fld id="{310C4530-1F4B-477E-BE12-223DEE1EDA2C}" type="datetimeFigureOut">
               <a:rPr lang="pt-BR" smtClean="0"/>
               <a:pPr/>
-              <a:t>31/10/2019</a:t>
+              <a:t>10/04/2021</a:t>
             </a:fld>
             <a:endParaRPr lang="pt-BR"/>
           </a:p>
@@ -3656,7 +4366,7 @@
             <a:fld id="{310C4530-1F4B-477E-BE12-223DEE1EDA2C}" type="datetimeFigureOut">
               <a:rPr lang="pt-BR" smtClean="0"/>
               <a:pPr/>
-              <a:t>31/10/2019</a:t>
+              <a:t>10/04/2021</a:t>
             </a:fld>
             <a:endParaRPr lang="pt-BR"/>
           </a:p>
@@ -3823,7 +4533,7 @@
             <a:fld id="{310C4530-1F4B-477E-BE12-223DEE1EDA2C}" type="datetimeFigureOut">
               <a:rPr lang="pt-BR" smtClean="0"/>
               <a:pPr/>
-              <a:t>31/10/2019</a:t>
+              <a:t>10/04/2021</a:t>
             </a:fld>
             <a:endParaRPr lang="pt-BR"/>
           </a:p>
@@ -5272,7 +5982,7 @@
             <a:fld id="{310C4530-1F4B-477E-BE12-223DEE1EDA2C}" type="datetimeFigureOut">
               <a:rPr lang="pt-BR" smtClean="0"/>
               <a:pPr/>
-              <a:t>31/10/2019</a:t>
+              <a:t>10/04/2021</a:t>
             </a:fld>
             <a:endParaRPr lang="pt-BR"/>
           </a:p>
@@ -5854,7 +6564,7 @@
             <a:fld id="{310C4530-1F4B-477E-BE12-223DEE1EDA2C}" type="datetimeFigureOut">
               <a:rPr lang="pt-BR" smtClean="0"/>
               <a:pPr/>
-              <a:t>31/10/2019</a:t>
+              <a:t>10/04/2021</a:t>
             </a:fld>
             <a:endParaRPr lang="pt-BR"/>
           </a:p>
@@ -6285,7 +6995,7 @@
             <a:fld id="{310C4530-1F4B-477E-BE12-223DEE1EDA2C}" type="datetimeFigureOut">
               <a:rPr lang="pt-BR" smtClean="0"/>
               <a:pPr/>
-              <a:t>31/10/2019</a:t>
+              <a:t>10/04/2021</a:t>
             </a:fld>
             <a:endParaRPr lang="pt-BR"/>
           </a:p>
@@ -6824,7 +7534,7 @@
             <a:fld id="{310C4530-1F4B-477E-BE12-223DEE1EDA2C}" type="datetimeFigureOut">
               <a:rPr lang="pt-BR" smtClean="0"/>
               <a:pPr/>
-              <a:t>31/10/2019</a:t>
+              <a:t>10/04/2021</a:t>
             </a:fld>
             <a:endParaRPr lang="pt-BR"/>
           </a:p>
@@ -6916,7 +7626,7 @@
             <a:fld id="{310C4530-1F4B-477E-BE12-223DEE1EDA2C}" type="datetimeFigureOut">
               <a:rPr lang="pt-BR" smtClean="0"/>
               <a:pPr/>
-              <a:t>31/10/2019</a:t>
+              <a:t>10/04/2021</a:t>
             </a:fld>
             <a:endParaRPr lang="pt-BR"/>
           </a:p>
@@ -7166,7 +7876,7 @@
             <a:fld id="{310C4530-1F4B-477E-BE12-223DEE1EDA2C}" type="datetimeFigureOut">
               <a:rPr lang="pt-BR" smtClean="0"/>
               <a:pPr/>
-              <a:t>31/10/2019</a:t>
+              <a:t>10/04/2021</a:t>
             </a:fld>
             <a:endParaRPr lang="pt-BR"/>
           </a:p>
@@ -7881,7 +8591,7 @@
             <a:fld id="{310C4530-1F4B-477E-BE12-223DEE1EDA2C}" type="datetimeFigureOut">
               <a:rPr lang="pt-BR" smtClean="0"/>
               <a:pPr/>
-              <a:t>31/10/2019</a:t>
+              <a:t>10/04/2021</a:t>
             </a:fld>
             <a:endParaRPr lang="pt-BR"/>
           </a:p>
@@ -7952,9 +8662,23 @@
 <p:sldMaster xmlns:a="http://schemas.openxmlformats.org/drawingml/2006/main" xmlns:r="http://schemas.openxmlformats.org/officeDocument/2006/relationships" xmlns:p="http://schemas.openxmlformats.org/presentationml/2006/main">
   <p:cSld>
     <p:bg>
-      <p:bgRef idx="1002">
-        <a:schemeClr val="bg2"/>
-      </p:bgRef>
+      <p:bgPr>
+        <a:gradFill rotWithShape="1">
+          <a:gsLst>
+            <a:gs pos="50000">
+              <a:schemeClr val="bg1">
+                <a:shade val="90000"/>
+                <a:satMod val="375000"/>
+              </a:schemeClr>
+            </a:gs>
+            <a:gs pos="100000">
+              <a:srgbClr val="28415E"/>
+            </a:gs>
+          </a:gsLst>
+          <a:lin ang="5400000" scaled="0"/>
+        </a:gradFill>
+        <a:effectLst/>
+      </p:bgPr>
     </p:bg>
     <p:spTree>
       <p:nvGrpSpPr>
@@ -8148,7 +8872,7 @@
             <a:fld id="{310C4530-1F4B-477E-BE12-223DEE1EDA2C}" type="datetimeFigureOut">
               <a:rPr lang="pt-BR" smtClean="0"/>
               <a:pPr/>
-              <a:t>31/10/2019</a:t>
+              <a:t>10/04/2021</a:t>
             </a:fld>
             <a:endParaRPr lang="pt-BR"/>
           </a:p>
@@ -9524,8 +10248,8 @@
         </p:nvSpPr>
         <p:spPr>
           <a:xfrm>
-            <a:off x="7573709" y="5328214"/>
-            <a:ext cx="1122423" cy="646331"/>
+            <a:off x="7611379" y="5328214"/>
+            <a:ext cx="1047082" cy="369332"/>
           </a:xfrm>
           <a:prstGeom prst="rect">
             <a:avLst/>
@@ -9539,13 +10263,6 @@
           <a:lstStyle/>
           <a:p>
             <a:pPr algn="ctr"/>
-            <a:r>
-              <a:rPr lang="pt-BR" dirty="0"/>
-              <a:t>Dados na </a:t>
-            </a:r>
-            <a:br>
-              <a:rPr lang="pt-BR" dirty="0"/>
-            </a:br>
             <a:r>
               <a:rPr lang="pt-BR" dirty="0"/>
               <a:t>Memória</a:t>
@@ -10199,7 +10916,7 @@
           <a:p>
             <a:r>
               <a:rPr lang="pt-BR" dirty="0"/>
-              <a:t>Usando Registros</a:t>
+              <a:t>Acesso ao Registro</a:t>
             </a:r>
           </a:p>
         </p:txBody>
@@ -10235,7 +10952,14 @@
             </a:r>
             <a:r>
               <a:rPr lang="pt-BR" dirty="0"/>
-              <a:t>de um registro são acessados através do </a:t>
+              <a:t>de um registro são </a:t>
+            </a:r>
+            <a:br>
+              <a:rPr lang="pt-BR" dirty="0"/>
+            </a:br>
+            <a:r>
+              <a:rPr lang="pt-BR" dirty="0"/>
+              <a:t>acessados através do </a:t>
             </a:r>
             <a:r>
               <a:rPr lang="pt-BR" dirty="0">
@@ -10443,6 +11167,18 @@
               <a:rPr lang="pt-BR" dirty="0" err="1">
                 <a:latin typeface="+mj-lt"/>
               </a:rPr>
+              <a:t>zico.gols</a:t>
+            </a:r>
+            <a:r>
+              <a:rPr lang="pt-BR" dirty="0">
+                <a:latin typeface="+mj-lt"/>
+              </a:rPr>
+              <a:t>    = 300; </a:t>
+            </a:r>
+            <a:r>
+              <a:rPr lang="pt-BR" dirty="0" err="1">
+                <a:latin typeface="+mj-lt"/>
+              </a:rPr>
               <a:t>zico.salario</a:t>
             </a:r>
             <a:r>
@@ -10450,20 +11186,6 @@
                 <a:latin typeface="+mj-lt"/>
               </a:rPr>
               <a:t> = 40000;</a:t>
-            </a:r>
-          </a:p>
-          <a:p>
-            <a:r>
-              <a:rPr lang="pt-BR" dirty="0" err="1">
-                <a:latin typeface="+mj-lt"/>
-              </a:rPr>
-              <a:t>zico.gols</a:t>
-            </a:r>
-            <a:r>
-              <a:rPr lang="pt-BR" dirty="0">
-                <a:latin typeface="+mj-lt"/>
-              </a:rPr>
-              <a:t>    = 300;</a:t>
             </a:r>
           </a:p>
           <a:p>
@@ -10613,41 +11335,6 @@
           </a:p>
         </p:txBody>
       </p:sp>
-      <p:cxnSp>
-        <p:nvCxnSpPr>
-          <p:cNvPr id="7" name="Conector reto 6"/>
-          <p:cNvCxnSpPr/>
-          <p:nvPr/>
-        </p:nvCxnSpPr>
-        <p:spPr>
-          <a:xfrm>
-            <a:off x="5663952" y="3140968"/>
-            <a:ext cx="0" cy="2520280"/>
-          </a:xfrm>
-          <a:prstGeom prst="line">
-            <a:avLst/>
-          </a:prstGeom>
-          <a:ln>
-            <a:solidFill>
-              <a:schemeClr val="tx1"/>
-            </a:solidFill>
-          </a:ln>
-        </p:spPr>
-        <p:style>
-          <a:lnRef idx="1">
-            <a:schemeClr val="accent1"/>
-          </a:lnRef>
-          <a:fillRef idx="0">
-            <a:schemeClr val="accent1"/>
-          </a:fillRef>
-          <a:effectRef idx="0">
-            <a:schemeClr val="accent1"/>
-          </a:effectRef>
-          <a:fontRef idx="minor">
-            <a:schemeClr val="tx1"/>
-          </a:fontRef>
-        </p:style>
-      </p:cxnSp>
       <p:grpSp>
         <p:nvGrpSpPr>
           <p:cNvPr id="8" name="Agrupar 7"/>
@@ -10819,6 +11506,58 @@
           </p:txBody>
         </p:sp>
       </p:grpSp>
+      <p:sp>
+        <p:nvSpPr>
+          <p:cNvPr id="6" name="Retângulo 5">
+            <a:extLst>
+              <a:ext uri="{FF2B5EF4-FFF2-40B4-BE49-F238E27FC236}">
+                <a16:creationId xmlns:a16="http://schemas.microsoft.com/office/drawing/2014/main" id="{55B94022-82B6-4FCC-90F4-58E46FF96B5B}"/>
+              </a:ext>
+            </a:extLst>
+          </p:cNvPr>
+          <p:cNvSpPr/>
+          <p:nvPr/>
+        </p:nvSpPr>
+        <p:spPr>
+          <a:xfrm>
+            <a:off x="5519936" y="3284984"/>
+            <a:ext cx="72010" cy="2520280"/>
+          </a:xfrm>
+          <a:prstGeom prst="rect">
+            <a:avLst/>
+          </a:prstGeom>
+          <a:solidFill>
+            <a:schemeClr val="accent3">
+              <a:alpha val="50000"/>
+            </a:schemeClr>
+          </a:solidFill>
+          <a:ln>
+            <a:noFill/>
+          </a:ln>
+        </p:spPr>
+        <p:style>
+          <a:lnRef idx="0">
+            <a:scrgbClr r="0" g="0" b="0"/>
+          </a:lnRef>
+          <a:fillRef idx="0">
+            <a:scrgbClr r="0" g="0" b="0"/>
+          </a:fillRef>
+          <a:effectRef idx="0">
+            <a:scrgbClr r="0" g="0" b="0"/>
+          </a:effectRef>
+          <a:fontRef idx="minor">
+            <a:schemeClr val="lt1"/>
+          </a:fontRef>
+        </p:style>
+        <p:txBody>
+          <a:bodyPr rtlCol="0" anchor="ctr"/>
+          <a:lstStyle/>
+          <a:p>
+            <a:pPr algn="ctr"/>
+            <a:endParaRPr lang="pt-BR"/>
+          </a:p>
+        </p:txBody>
+      </p:sp>
     </p:spTree>
   </p:cSld>
   <p:clrMapOvr>
@@ -10861,7 +11600,7 @@
           <a:p>
             <a:r>
               <a:rPr lang="pt-BR" dirty="0"/>
-              <a:t>Registros</a:t>
+              <a:t>Acesso ao Registro</a:t>
             </a:r>
           </a:p>
         </p:txBody>
@@ -11384,6 +12123,49 @@
                 <a:latin typeface="+mj-lt"/>
               </a:rPr>
               <a:t>}</a:t>
+            </a:r>
+          </a:p>
+        </p:txBody>
+      </p:sp>
+      <p:sp>
+        <p:nvSpPr>
+          <p:cNvPr id="5" name="CaixaDeTexto 4">
+            <a:extLst>
+              <a:ext uri="{FF2B5EF4-FFF2-40B4-BE49-F238E27FC236}">
+                <a16:creationId xmlns:a16="http://schemas.microsoft.com/office/drawing/2014/main" id="{4863F52A-629F-4188-94D1-3A8EA5EB98AA}"/>
+              </a:ext>
+            </a:extLst>
+          </p:cNvPr>
+          <p:cNvSpPr txBox="1"/>
+          <p:nvPr/>
+        </p:nvSpPr>
+        <p:spPr>
+          <a:xfrm rot="16200000">
+            <a:off x="-714272" y="5774776"/>
+            <a:ext cx="1800200" cy="276999"/>
+          </a:xfrm>
+          <a:prstGeom prst="rect">
+            <a:avLst/>
+          </a:prstGeom>
+          <a:noFill/>
+        </p:spPr>
+        <p:txBody>
+          <a:bodyPr wrap="square" rtlCol="0">
+            <a:spAutoFit/>
+          </a:bodyPr>
+          <a:lstStyle/>
+          <a:p>
+            <a:r>
+              <a:rPr lang="pt-BR" sz="1200" dirty="0">
+                <a:solidFill>
+                  <a:schemeClr val="bg2">
+                    <a:lumMod val="60000"/>
+                    <a:lumOff val="40000"/>
+                  </a:schemeClr>
+                </a:solidFill>
+                <a:latin typeface="+mj-lt"/>
+              </a:rPr>
+              <a:t>// IniReg.cpp</a:t>
             </a:r>
           </a:p>
         </p:txBody>
@@ -11430,7 +12212,7 @@
           <a:p>
             <a:r>
               <a:rPr lang="pt-BR" dirty="0"/>
-              <a:t>Registros</a:t>
+              <a:t>Acesso ao Registro</a:t>
             </a:r>
           </a:p>
         </p:txBody>
@@ -11476,6 +12258,15 @@
               </a:rPr>
               <a:t>membro é tratado como uma variável </a:t>
             </a:r>
+            <a:br>
+              <a:rPr lang="pt-BR" dirty="0">
+                <a:solidFill>
+                  <a:schemeClr val="accent3">
+                    <a:lumMod val="75000"/>
+                  </a:schemeClr>
+                </a:solidFill>
+              </a:rPr>
+            </a:br>
             <a:r>
               <a:rPr lang="pt-BR" dirty="0"/>
               <a:t>do tipo definido na declaração do registro</a:t>
@@ -11529,8 +12320,8 @@
         </p:nvSpPr>
         <p:spPr>
           <a:xfrm>
-            <a:off x="1659523" y="4589720"/>
-            <a:ext cx="6715172" cy="1754326"/>
+            <a:off x="4871864" y="4591610"/>
+            <a:ext cx="4868525" cy="1754326"/>
           </a:xfrm>
           <a:prstGeom prst="rect">
             <a:avLst/>
@@ -11692,7 +12483,7 @@
         </p:nvSpPr>
         <p:spPr>
           <a:xfrm>
-            <a:off x="8396743" y="4580008"/>
+            <a:off x="1731531" y="4591610"/>
             <a:ext cx="2736304" cy="1754326"/>
           </a:xfrm>
           <a:prstGeom prst="rect">
@@ -11887,7 +12678,7 @@
           <a:p>
             <a:r>
               <a:rPr lang="pt-BR" dirty="0"/>
-              <a:t>Registros</a:t>
+              <a:t>Definição de Tipo</a:t>
             </a:r>
           </a:p>
         </p:txBody>
@@ -11907,6 +12698,11 @@
           <a:bodyPr/>
           <a:lstStyle/>
           <a:p>
+            <a:pPr>
+              <a:spcAft>
+                <a:spcPts val="1800"/>
+              </a:spcAft>
+            </a:pPr>
             <a:r>
               <a:rPr lang="pt-BR" dirty="0"/>
               <a:t>Tipos definidos através de registros </a:t>
@@ -11925,10 +12721,6 @@
               <a:rPr lang="pt-BR" dirty="0"/>
               <a:t> da linguagem C++</a:t>
             </a:r>
-            <a:br>
-              <a:rPr lang="pt-BR" dirty="0"/>
-            </a:br>
-            <a:endParaRPr lang="pt-BR" dirty="0"/>
           </a:p>
           <a:p>
             <a:pPr lvl="1"/>
@@ -11957,7 +12749,7 @@
         </p:nvSpPr>
         <p:spPr>
           <a:xfrm>
-            <a:off x="1991544" y="3861048"/>
+            <a:off x="1991544" y="3573016"/>
             <a:ext cx="6408712" cy="2308324"/>
           </a:xfrm>
           <a:prstGeom prst="rect">
@@ -12339,7 +13131,7 @@
           <a:p>
             <a:r>
               <a:rPr lang="pt-BR" dirty="0"/>
-              <a:t>Registros</a:t>
+              <a:t>Definição de Tipo</a:t>
             </a:r>
           </a:p>
         </p:txBody>
@@ -12359,6 +13151,11 @@
           <a:bodyPr/>
           <a:lstStyle/>
           <a:p>
+            <a:pPr>
+              <a:spcAft>
+                <a:spcPts val="1800"/>
+              </a:spcAft>
+            </a:pPr>
             <a:r>
               <a:rPr lang="pt-BR" dirty="0"/>
               <a:t>Tipos definidos através de registros </a:t>
@@ -12379,9 +13176,6 @@
             </a:r>
           </a:p>
           <a:p>
-            <a:endParaRPr lang="pt-BR" dirty="0"/>
-          </a:p>
-          <a:p>
             <a:pPr lvl="1"/>
             <a:r>
               <a:rPr lang="pt-BR" dirty="0"/>
@@ -12408,7 +13202,7 @@
         </p:nvSpPr>
         <p:spPr>
           <a:xfrm>
-            <a:off x="1991544" y="3933056"/>
+            <a:off x="1991544" y="3645024"/>
             <a:ext cx="6408712" cy="2308324"/>
           </a:xfrm>
           <a:prstGeom prst="rect">
@@ -12760,7 +13554,7 @@
           <a:p>
             <a:r>
               <a:rPr lang="pt-BR" dirty="0"/>
-              <a:t>Registros</a:t>
+              <a:t>Definição de Tipo</a:t>
             </a:r>
           </a:p>
         </p:txBody>
@@ -12780,6 +13574,11 @@
           <a:bodyPr/>
           <a:lstStyle/>
           <a:p>
+            <a:pPr>
+              <a:spcAft>
+                <a:spcPts val="1800"/>
+              </a:spcAft>
+            </a:pPr>
             <a:r>
               <a:rPr lang="pt-BR" dirty="0"/>
               <a:t>Tipos definidos através de registros </a:t>
@@ -12798,16 +13597,19 @@
               <a:rPr lang="pt-BR" dirty="0"/>
               <a:t> da linguagem C++</a:t>
             </a:r>
+          </a:p>
+          <a:p>
+            <a:pPr lvl="1"/>
+            <a:r>
+              <a:rPr lang="pt-BR" dirty="0"/>
+              <a:t>Um registro pode ser atribuído a outro de mesmo </a:t>
+            </a:r>
             <a:br>
               <a:rPr lang="pt-BR" dirty="0"/>
             </a:br>
-            <a:endParaRPr lang="pt-BR" dirty="0"/>
-          </a:p>
-          <a:p>
-            <a:pPr lvl="1"/>
             <a:r>
               <a:rPr lang="pt-BR" dirty="0"/>
-              <a:t>Um registro pode ser atribuído a outro de mesmo tipo usando o operador de </a:t>
+              <a:t>tipo usando o operador de </a:t>
             </a:r>
             <a:r>
               <a:rPr lang="pt-BR" dirty="0">
@@ -12830,7 +13632,7 @@
         </p:nvSpPr>
         <p:spPr>
           <a:xfrm>
-            <a:off x="1991544" y="4221088"/>
+            <a:off x="1991544" y="4069560"/>
             <a:ext cx="6408712" cy="2031325"/>
           </a:xfrm>
           <a:prstGeom prst="rect">
@@ -13225,7 +14027,14 @@
           <a:p>
             <a:r>
               <a:rPr lang="pt-BR" dirty="0"/>
-              <a:t>Pelo registro ser semelhante a um tipo básico  de dados, podemos criar </a:t>
+              <a:t>Pelo registro ser semelhante a um tipo básico, </a:t>
+            </a:r>
+            <a:br>
+              <a:rPr lang="pt-BR" dirty="0"/>
+            </a:br>
+            <a:r>
+              <a:rPr lang="pt-BR" dirty="0"/>
+              <a:t>podemos criar </a:t>
             </a:r>
             <a:r>
               <a:rPr lang="pt-BR" dirty="0">
@@ -13249,8 +14058,8 @@
         </p:nvSpPr>
         <p:spPr>
           <a:xfrm>
-            <a:off x="1847528" y="2958697"/>
-            <a:ext cx="7220832" cy="1323439"/>
+            <a:off x="4367808" y="2848733"/>
+            <a:ext cx="6552728" cy="1323439"/>
           </a:xfrm>
           <a:prstGeom prst="rect">
             <a:avLst/>
@@ -13364,7 +14173,7 @@
         </p:nvSpPr>
         <p:spPr>
           <a:xfrm>
-            <a:off x="8947771" y="2835586"/>
+            <a:off x="1847528" y="2849944"/>
             <a:ext cx="2332805" cy="1569660"/>
           </a:xfrm>
           <a:prstGeom prst="rect">
@@ -15607,6 +16416,49 @@
           </a:p>
         </p:txBody>
       </p:sp>
+      <p:sp>
+        <p:nvSpPr>
+          <p:cNvPr id="5" name="CaixaDeTexto 4">
+            <a:extLst>
+              <a:ext uri="{FF2B5EF4-FFF2-40B4-BE49-F238E27FC236}">
+                <a16:creationId xmlns:a16="http://schemas.microsoft.com/office/drawing/2014/main" id="{484E7968-FC78-454A-88F6-F067677D1C40}"/>
+              </a:ext>
+            </a:extLst>
+          </p:cNvPr>
+          <p:cNvSpPr txBox="1"/>
+          <p:nvPr/>
+        </p:nvSpPr>
+        <p:spPr>
+          <a:xfrm rot="16200000">
+            <a:off x="-714272" y="5774776"/>
+            <a:ext cx="1800200" cy="276999"/>
+          </a:xfrm>
+          <a:prstGeom prst="rect">
+            <a:avLst/>
+          </a:prstGeom>
+          <a:noFill/>
+        </p:spPr>
+        <p:txBody>
+          <a:bodyPr wrap="square" rtlCol="0">
+            <a:spAutoFit/>
+          </a:bodyPr>
+          <a:lstStyle/>
+          <a:p>
+            <a:r>
+              <a:rPr lang="pt-BR" sz="1200" dirty="0">
+                <a:solidFill>
+                  <a:schemeClr val="bg2">
+                    <a:lumMod val="60000"/>
+                    <a:lumOff val="40000"/>
+                  </a:schemeClr>
+                </a:solidFill>
+                <a:latin typeface="+mj-lt"/>
+              </a:rPr>
+              <a:t>// VetReg.cpp</a:t>
+            </a:r>
+          </a:p>
+        </p:txBody>
+      </p:sp>
     </p:spTree>
   </p:cSld>
   <p:clrMapOvr>
@@ -15758,7 +16610,7 @@
         </p:nvSpPr>
         <p:spPr>
           <a:xfrm>
-            <a:off x="1703512" y="4149080"/>
+            <a:off x="4655840" y="4164090"/>
             <a:ext cx="6264696" cy="2031325"/>
           </a:xfrm>
           <a:prstGeom prst="rect">
@@ -15914,7 +16766,7 @@
         </p:nvSpPr>
         <p:spPr>
           <a:xfrm>
-            <a:off x="8616280" y="4287579"/>
+            <a:off x="1703512" y="4164090"/>
             <a:ext cx="2757351" cy="1754326"/>
           </a:xfrm>
           <a:prstGeom prst="rect">
@@ -16554,7 +17406,7 @@
           <a:p>
             <a:r>
               <a:rPr lang="pt-BR" dirty="0"/>
-              <a:t>Declaração de Variáveis</a:t>
+              <a:t>Tipos Sem Nome</a:t>
             </a:r>
           </a:p>
         </p:txBody>
@@ -16574,6 +17426,11 @@
           <a:bodyPr/>
           <a:lstStyle/>
           <a:p>
+            <a:pPr>
+              <a:spcAft>
+                <a:spcPts val="1200"/>
+              </a:spcAft>
+            </a:pPr>
             <a:r>
               <a:rPr lang="pt-BR" dirty="0"/>
               <a:t>Pode-se </a:t>
@@ -16629,14 +17486,14 @@
         <p:spPr>
           <a:xfrm>
             <a:off x="1721024" y="2348880"/>
-            <a:ext cx="4572000" cy="1569660"/>
+            <a:ext cx="6895256" cy="1569660"/>
           </a:xfrm>
           <a:prstGeom prst="rect">
             <a:avLst/>
           </a:prstGeom>
         </p:spPr>
         <p:txBody>
-          <a:bodyPr>
+          <a:bodyPr wrap="square">
             <a:spAutoFit/>
           </a:bodyPr>
           <a:lstStyle/>
@@ -16740,7 +17597,7 @@
               <a:rPr lang="pt-BR" sz="1600" dirty="0">
                 <a:latin typeface="+mj-lt"/>
               </a:rPr>
-              <a:t>} </a:t>
+              <a:t>}</a:t>
             </a:r>
           </a:p>
           <a:p>
@@ -16766,8 +17623,22 @@
               <a:rPr lang="pt-BR" sz="1600" dirty="0">
                 <a:latin typeface="+mj-lt"/>
               </a:rPr>
-              <a:t>;</a:t>
-            </a:r>
+              <a:t>;  </a:t>
+            </a:r>
+            <a:r>
+              <a:rPr lang="pt-BR" sz="1600" dirty="0">
+                <a:solidFill>
+                  <a:schemeClr val="tx1">
+                    <a:lumMod val="50000"/>
+                  </a:schemeClr>
+                </a:solidFill>
+                <a:latin typeface="+mj-lt"/>
+              </a:rPr>
+              <a:t>// criar uma variável é opcional</a:t>
+            </a:r>
+            <a:endParaRPr lang="pt-BR" sz="1600" dirty="0">
+              <a:latin typeface="+mj-lt"/>
+            </a:endParaRPr>
           </a:p>
         </p:txBody>
       </p:sp>
@@ -16779,7 +17650,7 @@
         </p:nvSpPr>
         <p:spPr>
           <a:xfrm>
-            <a:off x="1721024" y="4581128"/>
+            <a:off x="1721024" y="4773158"/>
             <a:ext cx="6929486" cy="1569660"/>
           </a:xfrm>
           <a:prstGeom prst="rect">
@@ -16793,7 +17664,7 @@
           <a:lstStyle/>
           <a:p>
             <a:r>
-              <a:rPr lang="pt-BR" sz="1600" dirty="0">
+              <a:rPr lang="pt-BR" sz="1600" dirty="0" err="1">
                 <a:solidFill>
                   <a:schemeClr val="accent3">
                     <a:lumMod val="75000"/>
@@ -16903,6 +17774,755 @@
 </file>
 
 <file path=ppt/slides/slide21.xml><?xml version="1.0" encoding="utf-8"?>
+<p:sld xmlns:a="http://schemas.openxmlformats.org/drawingml/2006/main" xmlns:r="http://schemas.openxmlformats.org/officeDocument/2006/relationships" xmlns:p="http://schemas.openxmlformats.org/presentationml/2006/main">
+  <p:cSld>
+    <p:spTree>
+      <p:nvGrpSpPr>
+        <p:cNvPr id="1" name=""/>
+        <p:cNvGrpSpPr/>
+        <p:nvPr/>
+      </p:nvGrpSpPr>
+      <p:grpSpPr>
+        <a:xfrm>
+          <a:off x="0" y="0"/>
+          <a:ext cx="0" cy="0"/>
+          <a:chOff x="0" y="0"/>
+          <a:chExt cx="0" cy="0"/>
+        </a:xfrm>
+      </p:grpSpPr>
+      <p:sp>
+        <p:nvSpPr>
+          <p:cNvPr id="2" name="Título 1"/>
+          <p:cNvSpPr>
+            <a:spLocks noGrp="1"/>
+          </p:cNvSpPr>
+          <p:nvPr>
+            <p:ph type="title"/>
+          </p:nvPr>
+        </p:nvSpPr>
+        <p:spPr/>
+        <p:txBody>
+          <a:bodyPr/>
+          <a:lstStyle/>
+          <a:p>
+            <a:r>
+              <a:rPr lang="pt-BR" dirty="0"/>
+              <a:t>Tipos Sem Nome</a:t>
+            </a:r>
+          </a:p>
+        </p:txBody>
+      </p:sp>
+      <p:sp>
+        <p:nvSpPr>
+          <p:cNvPr id="4" name="CaixaDeTexto 3"/>
+          <p:cNvSpPr txBox="1"/>
+          <p:nvPr/>
+        </p:nvSpPr>
+        <p:spPr>
+          <a:xfrm>
+            <a:off x="1219200" y="1571613"/>
+            <a:ext cx="10363200" cy="4832092"/>
+          </a:xfrm>
+          <a:prstGeom prst="rect">
+            <a:avLst/>
+          </a:prstGeom>
+          <a:noFill/>
+        </p:spPr>
+        <p:txBody>
+          <a:bodyPr wrap="square" rtlCol="0">
+            <a:spAutoFit/>
+          </a:bodyPr>
+          <a:lstStyle/>
+          <a:p>
+            <a:r>
+              <a:rPr lang="pt-BR" sz="1400" dirty="0">
+                <a:solidFill>
+                  <a:schemeClr val="accent3">
+                    <a:lumMod val="75000"/>
+                  </a:schemeClr>
+                </a:solidFill>
+                <a:latin typeface="+mj-lt"/>
+              </a:rPr>
+              <a:t>#include </a:t>
+            </a:r>
+            <a:r>
+              <a:rPr lang="pt-BR" sz="1400" dirty="0">
+                <a:solidFill>
+                  <a:schemeClr val="accent2">
+                    <a:lumMod val="60000"/>
+                    <a:lumOff val="40000"/>
+                  </a:schemeClr>
+                </a:solidFill>
+                <a:latin typeface="+mj-lt"/>
+              </a:rPr>
+              <a:t>&lt;iostream&gt;</a:t>
+            </a:r>
+          </a:p>
+          <a:p>
+            <a:r>
+              <a:rPr lang="pt-BR" sz="1400" dirty="0">
+                <a:solidFill>
+                  <a:schemeClr val="accent3">
+                    <a:lumMod val="75000"/>
+                  </a:schemeClr>
+                </a:solidFill>
+                <a:latin typeface="+mj-lt"/>
+              </a:rPr>
+              <a:t>using</a:t>
+            </a:r>
+            <a:r>
+              <a:rPr lang="pt-BR" sz="1400" dirty="0">
+                <a:latin typeface="+mj-lt"/>
+              </a:rPr>
+              <a:t> </a:t>
+            </a:r>
+            <a:r>
+              <a:rPr lang="pt-BR" sz="1400" dirty="0">
+                <a:solidFill>
+                  <a:schemeClr val="accent3">
+                    <a:lumMod val="75000"/>
+                  </a:schemeClr>
+                </a:solidFill>
+                <a:latin typeface="+mj-lt"/>
+              </a:rPr>
+              <a:t>namespace</a:t>
+            </a:r>
+            <a:r>
+              <a:rPr lang="pt-BR" sz="1400" dirty="0">
+                <a:latin typeface="+mj-lt"/>
+              </a:rPr>
+              <a:t> </a:t>
+            </a:r>
+            <a:r>
+              <a:rPr lang="pt-BR" sz="1400" dirty="0" err="1">
+                <a:latin typeface="+mj-lt"/>
+              </a:rPr>
+              <a:t>std</a:t>
+            </a:r>
+            <a:r>
+              <a:rPr lang="pt-BR" sz="1400" dirty="0">
+                <a:latin typeface="+mj-lt"/>
+              </a:rPr>
+              <a:t>;</a:t>
+            </a:r>
+          </a:p>
+          <a:p>
+            <a:endParaRPr lang="pt-BR" sz="1400" dirty="0">
+              <a:latin typeface="+mj-lt"/>
+            </a:endParaRPr>
+          </a:p>
+          <a:p>
+            <a:r>
+              <a:rPr lang="pt-BR" sz="1400" dirty="0">
+                <a:solidFill>
+                  <a:schemeClr val="accent3">
+                    <a:lumMod val="75000"/>
+                  </a:schemeClr>
+                </a:solidFill>
+                <a:latin typeface="+mj-lt"/>
+              </a:rPr>
+              <a:t>int</a:t>
+            </a:r>
+            <a:r>
+              <a:rPr lang="pt-BR" sz="1400" dirty="0">
+                <a:latin typeface="+mj-lt"/>
+              </a:rPr>
+              <a:t> main()</a:t>
+            </a:r>
+          </a:p>
+          <a:p>
+            <a:r>
+              <a:rPr lang="pt-BR" sz="1400" dirty="0">
+                <a:latin typeface="+mj-lt"/>
+              </a:rPr>
+              <a:t>{</a:t>
+            </a:r>
+          </a:p>
+          <a:p>
+            <a:r>
+              <a:rPr lang="pt-BR" sz="1400" dirty="0">
+                <a:latin typeface="+mj-lt"/>
+              </a:rPr>
+              <a:t>    </a:t>
+            </a:r>
+            <a:r>
+              <a:rPr lang="pt-BR" sz="1400" dirty="0" err="1">
+                <a:solidFill>
+                  <a:schemeClr val="accent3">
+                    <a:lumMod val="75000"/>
+                  </a:schemeClr>
+                </a:solidFill>
+                <a:latin typeface="+mj-lt"/>
+              </a:rPr>
+              <a:t>struct</a:t>
+            </a:r>
+            <a:endParaRPr lang="pt-BR" sz="1400" dirty="0">
+              <a:solidFill>
+                <a:schemeClr val="accent3">
+                  <a:lumMod val="40000"/>
+                  <a:lumOff val="60000"/>
+                </a:schemeClr>
+              </a:solidFill>
+              <a:latin typeface="+mj-lt"/>
+            </a:endParaRPr>
+          </a:p>
+          <a:p>
+            <a:r>
+              <a:rPr lang="pt-BR" sz="1400" dirty="0">
+                <a:latin typeface="+mj-lt"/>
+              </a:rPr>
+              <a:t>    {</a:t>
+            </a:r>
+          </a:p>
+          <a:p>
+            <a:r>
+              <a:rPr lang="pt-BR" sz="1400" dirty="0">
+                <a:latin typeface="+mj-lt"/>
+              </a:rPr>
+              <a:t>        </a:t>
+            </a:r>
+            <a:r>
+              <a:rPr lang="pt-BR" sz="1400" dirty="0" err="1">
+                <a:solidFill>
+                  <a:schemeClr val="accent3">
+                    <a:lumMod val="75000"/>
+                  </a:schemeClr>
+                </a:solidFill>
+                <a:latin typeface="+mj-lt"/>
+              </a:rPr>
+              <a:t>int</a:t>
+            </a:r>
+            <a:r>
+              <a:rPr lang="pt-BR" sz="1400" dirty="0">
+                <a:latin typeface="+mj-lt"/>
+              </a:rPr>
+              <a:t> x;</a:t>
+            </a:r>
+          </a:p>
+          <a:p>
+            <a:r>
+              <a:rPr lang="pt-BR" sz="1400" dirty="0">
+                <a:latin typeface="+mj-lt"/>
+              </a:rPr>
+              <a:t>        </a:t>
+            </a:r>
+            <a:r>
+              <a:rPr lang="pt-BR" sz="1400" dirty="0" err="1">
+                <a:solidFill>
+                  <a:schemeClr val="accent3">
+                    <a:lumMod val="75000"/>
+                  </a:schemeClr>
+                </a:solidFill>
+                <a:latin typeface="+mj-lt"/>
+              </a:rPr>
+              <a:t>int</a:t>
+            </a:r>
+            <a:r>
+              <a:rPr lang="pt-BR" sz="1400" dirty="0">
+                <a:latin typeface="+mj-lt"/>
+              </a:rPr>
+              <a:t> y;</a:t>
+            </a:r>
+          </a:p>
+          <a:p>
+            <a:r>
+              <a:rPr lang="pt-BR" sz="1400" dirty="0">
+                <a:latin typeface="+mj-lt"/>
+              </a:rPr>
+              <a:t>    } </a:t>
+            </a:r>
+            <a:br>
+              <a:rPr lang="pt-BR" sz="1400" dirty="0">
+                <a:latin typeface="+mj-lt"/>
+              </a:rPr>
+            </a:br>
+            <a:r>
+              <a:rPr lang="pt-BR" sz="1400" dirty="0">
+                <a:latin typeface="+mj-lt"/>
+              </a:rPr>
+              <a:t>    ponto;</a:t>
+            </a:r>
+          </a:p>
+          <a:p>
+            <a:endParaRPr lang="pt-BR" sz="1400" dirty="0">
+              <a:latin typeface="+mj-lt"/>
+            </a:endParaRPr>
+          </a:p>
+          <a:p>
+            <a:r>
+              <a:rPr lang="pt-BR" sz="1400" dirty="0">
+                <a:latin typeface="+mj-lt"/>
+              </a:rPr>
+              <a:t>    cout &lt;&lt; </a:t>
+            </a:r>
+            <a:r>
+              <a:rPr lang="pt-BR" sz="1400" dirty="0">
+                <a:solidFill>
+                  <a:schemeClr val="accent2">
+                    <a:lumMod val="60000"/>
+                    <a:lumOff val="40000"/>
+                  </a:schemeClr>
+                </a:solidFill>
+                <a:latin typeface="+mj-lt"/>
+              </a:rPr>
+              <a:t>"Entre com as coordenadas do ponto: \n"</a:t>
+            </a:r>
+            <a:r>
+              <a:rPr lang="pt-BR" sz="1400" dirty="0">
+                <a:latin typeface="+mj-lt"/>
+              </a:rPr>
+              <a:t>;</a:t>
+            </a:r>
+          </a:p>
+          <a:p>
+            <a:r>
+              <a:rPr lang="pt-BR" sz="1400" dirty="0">
+                <a:latin typeface="+mj-lt"/>
+              </a:rPr>
+              <a:t>    </a:t>
+            </a:r>
+            <a:r>
+              <a:rPr lang="pt-BR" sz="1400" dirty="0" err="1">
+                <a:latin typeface="+mj-lt"/>
+              </a:rPr>
+              <a:t>cin</a:t>
+            </a:r>
+            <a:r>
+              <a:rPr lang="pt-BR" sz="1400" dirty="0">
+                <a:latin typeface="+mj-lt"/>
+              </a:rPr>
+              <a:t> &gt;&gt; </a:t>
+            </a:r>
+            <a:r>
+              <a:rPr lang="pt-BR" sz="1400" dirty="0" err="1">
+                <a:latin typeface="+mj-lt"/>
+              </a:rPr>
+              <a:t>ponto.x</a:t>
+            </a:r>
+            <a:r>
+              <a:rPr lang="pt-BR" sz="1400" dirty="0">
+                <a:latin typeface="+mj-lt"/>
+              </a:rPr>
+              <a:t>;</a:t>
+            </a:r>
+          </a:p>
+          <a:p>
+            <a:r>
+              <a:rPr lang="pt-BR" sz="1400" dirty="0">
+                <a:latin typeface="+mj-lt"/>
+              </a:rPr>
+              <a:t>    </a:t>
+            </a:r>
+            <a:r>
+              <a:rPr lang="pt-BR" sz="1400" dirty="0" err="1">
+                <a:latin typeface="+mj-lt"/>
+              </a:rPr>
+              <a:t>cin</a:t>
+            </a:r>
+            <a:r>
+              <a:rPr lang="pt-BR" sz="1400" dirty="0">
+                <a:latin typeface="+mj-lt"/>
+              </a:rPr>
+              <a:t> &gt;&gt; </a:t>
+            </a:r>
+            <a:r>
+              <a:rPr lang="pt-BR" sz="1400" dirty="0" err="1">
+                <a:latin typeface="+mj-lt"/>
+              </a:rPr>
+              <a:t>ponto.y</a:t>
+            </a:r>
+            <a:r>
+              <a:rPr lang="pt-BR" sz="1400" dirty="0">
+                <a:latin typeface="+mj-lt"/>
+              </a:rPr>
+              <a:t>;</a:t>
+            </a:r>
+          </a:p>
+          <a:p>
+            <a:r>
+              <a:rPr lang="pt-BR" sz="1400" dirty="0">
+                <a:latin typeface="+mj-lt"/>
+              </a:rPr>
+              <a:t>    </a:t>
+            </a:r>
+          </a:p>
+          <a:p>
+            <a:r>
+              <a:rPr lang="pt-BR" sz="1400" dirty="0">
+                <a:latin typeface="+mj-lt"/>
+              </a:rPr>
+              <a:t>    cout &lt;&lt; </a:t>
+            </a:r>
+            <a:r>
+              <a:rPr lang="pt-BR" sz="1400" dirty="0">
+                <a:solidFill>
+                  <a:schemeClr val="accent2">
+                    <a:lumMod val="60000"/>
+                    <a:lumOff val="40000"/>
+                  </a:schemeClr>
+                </a:solidFill>
+                <a:latin typeface="+mj-lt"/>
+              </a:rPr>
+              <a:t>"O ponto se encontra na posição (" </a:t>
+            </a:r>
+          </a:p>
+          <a:p>
+            <a:r>
+              <a:rPr lang="pt-BR" sz="1400" dirty="0">
+                <a:solidFill>
+                  <a:schemeClr val="accent2">
+                    <a:lumMod val="60000"/>
+                    <a:lumOff val="40000"/>
+                  </a:schemeClr>
+                </a:solidFill>
+                <a:latin typeface="+mj-lt"/>
+              </a:rPr>
+              <a:t>         </a:t>
+            </a:r>
+            <a:r>
+              <a:rPr lang="pt-BR" sz="1400" dirty="0">
+                <a:latin typeface="+mj-lt"/>
+              </a:rPr>
+              <a:t>&lt;&lt; </a:t>
+            </a:r>
+            <a:r>
+              <a:rPr lang="pt-BR" sz="1400" dirty="0" err="1">
+                <a:latin typeface="+mj-lt"/>
+              </a:rPr>
+              <a:t>ponto.x</a:t>
+            </a:r>
+            <a:br>
+              <a:rPr lang="pt-BR" sz="1400" dirty="0">
+                <a:latin typeface="+mj-lt"/>
+              </a:rPr>
+            </a:br>
+            <a:r>
+              <a:rPr lang="pt-BR" sz="1400" dirty="0">
+                <a:latin typeface="+mj-lt"/>
+              </a:rPr>
+              <a:t>         &lt;&lt; </a:t>
+            </a:r>
+            <a:r>
+              <a:rPr lang="pt-BR" sz="1400" dirty="0">
+                <a:solidFill>
+                  <a:schemeClr val="accent2">
+                    <a:lumMod val="60000"/>
+                    <a:lumOff val="40000"/>
+                  </a:schemeClr>
+                </a:solidFill>
+                <a:latin typeface="+mj-lt"/>
+              </a:rPr>
+              <a:t>","</a:t>
+            </a:r>
+          </a:p>
+          <a:p>
+            <a:r>
+              <a:rPr lang="pt-BR" sz="1400" dirty="0">
+                <a:latin typeface="+mj-lt"/>
+              </a:rPr>
+              <a:t>         &lt;&lt; </a:t>
+            </a:r>
+            <a:r>
+              <a:rPr lang="pt-BR" sz="1400" dirty="0" err="1">
+                <a:latin typeface="+mj-lt"/>
+              </a:rPr>
+              <a:t>ponto.y</a:t>
+            </a:r>
+            <a:r>
+              <a:rPr lang="pt-BR" sz="1400" dirty="0">
+                <a:latin typeface="+mj-lt"/>
+              </a:rPr>
+              <a:t> </a:t>
+            </a:r>
+            <a:br>
+              <a:rPr lang="pt-BR" sz="1400" dirty="0">
+                <a:latin typeface="+mj-lt"/>
+              </a:rPr>
+            </a:br>
+            <a:r>
+              <a:rPr lang="pt-BR" sz="1400" dirty="0">
+                <a:latin typeface="+mj-lt"/>
+              </a:rPr>
+              <a:t>         &lt;&lt; </a:t>
+            </a:r>
+            <a:r>
+              <a:rPr lang="pt-BR" sz="1400" dirty="0">
+                <a:solidFill>
+                  <a:schemeClr val="accent2">
+                    <a:lumMod val="60000"/>
+                    <a:lumOff val="40000"/>
+                  </a:schemeClr>
+                </a:solidFill>
+                <a:latin typeface="+mj-lt"/>
+              </a:rPr>
+              <a:t>")\n"</a:t>
+            </a:r>
+            <a:r>
+              <a:rPr lang="pt-BR" sz="1400" dirty="0">
+                <a:latin typeface="+mj-lt"/>
+              </a:rPr>
+              <a:t>;</a:t>
+            </a:r>
+            <a:br>
+              <a:rPr lang="pt-BR" sz="1400" dirty="0">
+                <a:latin typeface="+mj-lt"/>
+              </a:rPr>
+            </a:br>
+            <a:r>
+              <a:rPr lang="pt-BR" sz="1400" dirty="0">
+                <a:latin typeface="+mj-lt"/>
+              </a:rPr>
+              <a:t>}</a:t>
+            </a:r>
+          </a:p>
+        </p:txBody>
+      </p:sp>
+      <p:grpSp>
+        <p:nvGrpSpPr>
+          <p:cNvPr id="5" name="Agrupar 4">
+            <a:extLst>
+              <a:ext uri="{FF2B5EF4-FFF2-40B4-BE49-F238E27FC236}">
+                <a16:creationId xmlns:a16="http://schemas.microsoft.com/office/drawing/2014/main" id="{191CCA5F-09F2-49E5-B95A-3DAF34434CAB}"/>
+              </a:ext>
+            </a:extLst>
+          </p:cNvPr>
+          <p:cNvGrpSpPr/>
+          <p:nvPr/>
+        </p:nvGrpSpPr>
+        <p:grpSpPr>
+          <a:xfrm>
+            <a:off x="11594275" y="6389523"/>
+            <a:ext cx="617266" cy="495111"/>
+            <a:chOff x="11582400" y="6381328"/>
+            <a:chExt cx="617266" cy="495111"/>
+          </a:xfrm>
+        </p:grpSpPr>
+        <p:sp>
+          <p:nvSpPr>
+            <p:cNvPr id="6" name="Triângulo isósceles 6">
+              <a:extLst>
+                <a:ext uri="{FF2B5EF4-FFF2-40B4-BE49-F238E27FC236}">
+                  <a16:creationId xmlns:a16="http://schemas.microsoft.com/office/drawing/2014/main" id="{7AA29E93-B38A-4DCC-9B78-FB8CB52F6766}"/>
+                </a:ext>
+              </a:extLst>
+            </p:cNvPr>
+            <p:cNvSpPr/>
+            <p:nvPr/>
+          </p:nvSpPr>
+          <p:spPr>
+            <a:xfrm>
+              <a:off x="11582400" y="6381328"/>
+              <a:ext cx="593516" cy="464210"/>
+            </a:xfrm>
+            <a:custGeom>
+              <a:avLst/>
+              <a:gdLst>
+                <a:gd name="connsiteX0" fmla="*/ 0 w 864096"/>
+                <a:gd name="connsiteY0" fmla="*/ 1512168 h 1512168"/>
+                <a:gd name="connsiteX1" fmla="*/ 432048 w 864096"/>
+                <a:gd name="connsiteY1" fmla="*/ 0 h 1512168"/>
+                <a:gd name="connsiteX2" fmla="*/ 864096 w 864096"/>
+                <a:gd name="connsiteY2" fmla="*/ 1512168 h 1512168"/>
+                <a:gd name="connsiteX3" fmla="*/ 0 w 864096"/>
+                <a:gd name="connsiteY3" fmla="*/ 1512168 h 1512168"/>
+                <a:gd name="connsiteX0" fmla="*/ 0 w 864096"/>
+                <a:gd name="connsiteY0" fmla="*/ 787773 h 787773"/>
+                <a:gd name="connsiteX1" fmla="*/ 847684 w 864096"/>
+                <a:gd name="connsiteY1" fmla="*/ 0 h 787773"/>
+                <a:gd name="connsiteX2" fmla="*/ 864096 w 864096"/>
+                <a:gd name="connsiteY2" fmla="*/ 787773 h 787773"/>
+                <a:gd name="connsiteX3" fmla="*/ 0 w 864096"/>
+                <a:gd name="connsiteY3" fmla="*/ 787773 h 787773"/>
+                <a:gd name="connsiteX0" fmla="*/ 0 w 864096"/>
+                <a:gd name="connsiteY0" fmla="*/ 797298 h 797298"/>
+                <a:gd name="connsiteX1" fmla="*/ 857209 w 864096"/>
+                <a:gd name="connsiteY1" fmla="*/ 0 h 797298"/>
+                <a:gd name="connsiteX2" fmla="*/ 864096 w 864096"/>
+                <a:gd name="connsiteY2" fmla="*/ 797298 h 797298"/>
+                <a:gd name="connsiteX3" fmla="*/ 0 w 864096"/>
+                <a:gd name="connsiteY3" fmla="*/ 797298 h 797298"/>
+                <a:gd name="connsiteX0" fmla="*/ 0 w 864096"/>
+                <a:gd name="connsiteY0" fmla="*/ 799680 h 799680"/>
+                <a:gd name="connsiteX1" fmla="*/ 861971 w 864096"/>
+                <a:gd name="connsiteY1" fmla="*/ 0 h 799680"/>
+                <a:gd name="connsiteX2" fmla="*/ 864096 w 864096"/>
+                <a:gd name="connsiteY2" fmla="*/ 799680 h 799680"/>
+                <a:gd name="connsiteX3" fmla="*/ 0 w 864096"/>
+                <a:gd name="connsiteY3" fmla="*/ 799680 h 799680"/>
+              </a:gdLst>
+              <a:ahLst/>
+              <a:cxnLst>
+                <a:cxn ang="0">
+                  <a:pos x="connsiteX0" y="connsiteY0"/>
+                </a:cxn>
+                <a:cxn ang="0">
+                  <a:pos x="connsiteX1" y="connsiteY1"/>
+                </a:cxn>
+                <a:cxn ang="0">
+                  <a:pos x="connsiteX2" y="connsiteY2"/>
+                </a:cxn>
+                <a:cxn ang="0">
+                  <a:pos x="connsiteX3" y="connsiteY3"/>
+                </a:cxn>
+              </a:cxnLst>
+              <a:rect l="l" t="t" r="r" b="b"/>
+              <a:pathLst>
+                <a:path w="864096" h="799680">
+                  <a:moveTo>
+                    <a:pt x="0" y="799680"/>
+                  </a:moveTo>
+                  <a:lnTo>
+                    <a:pt x="861971" y="0"/>
+                  </a:lnTo>
+                  <a:cubicBezTo>
+                    <a:pt x="864267" y="265766"/>
+                    <a:pt x="861800" y="533914"/>
+                    <a:pt x="864096" y="799680"/>
+                  </a:cubicBezTo>
+                  <a:lnTo>
+                    <a:pt x="0" y="799680"/>
+                  </a:lnTo>
+                  <a:close/>
+                </a:path>
+              </a:pathLst>
+            </a:custGeom>
+            <a:solidFill>
+              <a:schemeClr val="accent3">
+                <a:lumMod val="75000"/>
+              </a:schemeClr>
+            </a:solidFill>
+            <a:ln>
+              <a:solidFill>
+                <a:schemeClr val="accent3">
+                  <a:lumMod val="75000"/>
+                </a:schemeClr>
+              </a:solidFill>
+            </a:ln>
+          </p:spPr>
+          <p:style>
+            <a:lnRef idx="2">
+              <a:schemeClr val="accent1">
+                <a:shade val="50000"/>
+              </a:schemeClr>
+            </a:lnRef>
+            <a:fillRef idx="1">
+              <a:schemeClr val="accent1"/>
+            </a:fillRef>
+            <a:effectRef idx="0">
+              <a:schemeClr val="accent1"/>
+            </a:effectRef>
+            <a:fontRef idx="minor">
+              <a:schemeClr val="lt1"/>
+            </a:fontRef>
+          </p:style>
+          <p:txBody>
+            <a:bodyPr rtlCol="0" anchor="ctr"/>
+            <a:lstStyle/>
+            <a:p>
+              <a:pPr algn="ctr"/>
+              <a:endParaRPr lang="pt-BR" dirty="0"/>
+            </a:p>
+          </p:txBody>
+        </p:sp>
+        <p:sp>
+          <p:nvSpPr>
+            <p:cNvPr id="7" name="Retângulo 6">
+              <a:extLst>
+                <a:ext uri="{FF2B5EF4-FFF2-40B4-BE49-F238E27FC236}">
+                  <a16:creationId xmlns:a16="http://schemas.microsoft.com/office/drawing/2014/main" id="{CDE10779-89AA-4B2E-89DB-BC3779B815D7}"/>
+                </a:ext>
+              </a:extLst>
+            </p:cNvPr>
+            <p:cNvSpPr/>
+            <p:nvPr/>
+          </p:nvSpPr>
+          <p:spPr>
+            <a:xfrm>
+              <a:off x="11808382" y="6476329"/>
+              <a:ext cx="391284" cy="400110"/>
+            </a:xfrm>
+            <a:prstGeom prst="rect">
+              <a:avLst/>
+            </a:prstGeom>
+          </p:spPr>
+          <p:txBody>
+            <a:bodyPr wrap="square">
+              <a:spAutoFit/>
+            </a:bodyPr>
+            <a:lstStyle/>
+            <a:p>
+              <a:pPr marL="68580" indent="0">
+                <a:buNone/>
+              </a:pPr>
+              <a:r>
+                <a:rPr lang="pt-BR" sz="2000" dirty="0">
+                  <a:solidFill>
+                    <a:schemeClr val="bg1"/>
+                  </a:solidFill>
+                </a:rPr>
+                <a:t>»</a:t>
+              </a:r>
+            </a:p>
+          </p:txBody>
+        </p:sp>
+      </p:grpSp>
+      <p:sp>
+        <p:nvSpPr>
+          <p:cNvPr id="8" name="CaixaDeTexto 7">
+            <a:extLst>
+              <a:ext uri="{FF2B5EF4-FFF2-40B4-BE49-F238E27FC236}">
+                <a16:creationId xmlns:a16="http://schemas.microsoft.com/office/drawing/2014/main" id="{6E46A5F0-176C-4144-9CE8-3BCB33F2E4A4}"/>
+              </a:ext>
+            </a:extLst>
+          </p:cNvPr>
+          <p:cNvSpPr txBox="1"/>
+          <p:nvPr/>
+        </p:nvSpPr>
+        <p:spPr>
+          <a:xfrm rot="16200000">
+            <a:off x="-714272" y="5774776"/>
+            <a:ext cx="1800200" cy="276999"/>
+          </a:xfrm>
+          <a:prstGeom prst="rect">
+            <a:avLst/>
+          </a:prstGeom>
+          <a:noFill/>
+        </p:spPr>
+        <p:txBody>
+          <a:bodyPr wrap="square" rtlCol="0">
+            <a:spAutoFit/>
+          </a:bodyPr>
+          <a:lstStyle/>
+          <a:p>
+            <a:r>
+              <a:rPr lang="pt-BR" sz="1200" dirty="0">
+                <a:solidFill>
+                  <a:schemeClr val="bg2">
+                    <a:lumMod val="60000"/>
+                    <a:lumOff val="40000"/>
+                  </a:schemeClr>
+                </a:solidFill>
+                <a:latin typeface="+mj-lt"/>
+              </a:rPr>
+              <a:t>// SemNome.cpp</a:t>
+            </a:r>
+          </a:p>
+        </p:txBody>
+      </p:sp>
+    </p:spTree>
+    <p:extLst>
+      <p:ext uri="{BB962C8B-B14F-4D97-AF65-F5344CB8AC3E}">
+        <p14:creationId xmlns:p14="http://schemas.microsoft.com/office/powerpoint/2010/main" val="254476723"/>
+      </p:ext>
+    </p:extLst>
+  </p:cSld>
+  <p:clrMapOvr>
+    <a:masterClrMapping/>
+  </p:clrMapOvr>
+</p:sld>
+</file>
+
+<file path=ppt/slides/slide22.xml><?xml version="1.0" encoding="utf-8"?>
 <p:sld xmlns:a="http://schemas.openxmlformats.org/drawingml/2006/main" xmlns:r="http://schemas.openxmlformats.org/officeDocument/2006/relationships" xmlns:p="http://schemas.openxmlformats.org/presentationml/2006/main">
   <p:cSld>
     <p:spTree>
@@ -18127,7 +19747,7 @@
           <a:p>
             <a:r>
               <a:rPr lang="pt-BR" dirty="0"/>
-              <a:t>Registros</a:t>
+              <a:t>Introdução</a:t>
             </a:r>
           </a:p>
         </p:txBody>
@@ -18609,7 +20229,7 @@
           <a:p>
             <a:r>
               <a:rPr lang="pt-BR" dirty="0"/>
-              <a:t>Registros</a:t>
+              <a:t>Declaração</a:t>
             </a:r>
           </a:p>
         </p:txBody>
@@ -19201,211 +20821,6 @@
       </p:sp>
       <p:sp>
         <p:nvSpPr>
-          <p:cNvPr id="4" name="Retângulo 3"/>
-          <p:cNvSpPr/>
-          <p:nvPr/>
-        </p:nvSpPr>
-        <p:spPr>
-          <a:xfrm>
-            <a:off x="2281996" y="4657167"/>
-            <a:ext cx="2520280" cy="1569660"/>
-          </a:xfrm>
-          <a:prstGeom prst="rect">
-            <a:avLst/>
-          </a:prstGeom>
-        </p:spPr>
-        <p:txBody>
-          <a:bodyPr wrap="square">
-            <a:spAutoFit/>
-          </a:bodyPr>
-          <a:lstStyle/>
-          <a:p>
-            <a:r>
-              <a:rPr lang="pt-BR" sz="1600" dirty="0" err="1">
-                <a:solidFill>
-                  <a:schemeClr val="accent3">
-                    <a:lumMod val="75000"/>
-                  </a:schemeClr>
-                </a:solidFill>
-                <a:latin typeface="+mj-lt"/>
-              </a:rPr>
-              <a:t>struct</a:t>
-            </a:r>
-            <a:r>
-              <a:rPr lang="pt-BR" sz="1600" dirty="0">
-                <a:latin typeface="+mj-lt"/>
-              </a:rPr>
-              <a:t> </a:t>
-            </a:r>
-            <a:r>
-              <a:rPr lang="pt-BR" sz="1600" dirty="0">
-                <a:solidFill>
-                  <a:schemeClr val="accent3">
-                    <a:lumMod val="40000"/>
-                    <a:lumOff val="60000"/>
-                  </a:schemeClr>
-                </a:solidFill>
-                <a:latin typeface="+mj-lt"/>
-              </a:rPr>
-              <a:t>jogador</a:t>
-            </a:r>
-          </a:p>
-          <a:p>
-            <a:r>
-              <a:rPr lang="pt-BR" sz="1600" dirty="0">
-                <a:latin typeface="+mj-lt"/>
-              </a:rPr>
-              <a:t>{</a:t>
-            </a:r>
-          </a:p>
-          <a:p>
-            <a:r>
-              <a:rPr lang="pt-BR" sz="1600" dirty="0">
-                <a:solidFill>
-                  <a:schemeClr val="accent3">
-                    <a:lumMod val="75000"/>
-                  </a:schemeClr>
-                </a:solidFill>
-                <a:latin typeface="+mj-lt"/>
-              </a:rPr>
-              <a:t>    char</a:t>
-            </a:r>
-            <a:r>
-              <a:rPr lang="pt-BR" sz="1600" dirty="0">
-                <a:latin typeface="+mj-lt"/>
-              </a:rPr>
-              <a:t> nome[20];</a:t>
-            </a:r>
-          </a:p>
-          <a:p>
-            <a:r>
-              <a:rPr lang="pt-BR" sz="1600" dirty="0">
-                <a:latin typeface="+mj-lt"/>
-              </a:rPr>
-              <a:t>    </a:t>
-            </a:r>
-            <a:r>
-              <a:rPr lang="pt-BR" sz="1600" dirty="0" err="1">
-                <a:solidFill>
-                  <a:schemeClr val="accent3">
-                    <a:lumMod val="75000"/>
-                  </a:schemeClr>
-                </a:solidFill>
-                <a:latin typeface="+mj-lt"/>
-              </a:rPr>
-              <a:t>float</a:t>
-            </a:r>
-            <a:r>
-              <a:rPr lang="pt-BR" sz="1600" dirty="0">
-                <a:latin typeface="+mj-lt"/>
-              </a:rPr>
-              <a:t> </a:t>
-            </a:r>
-            <a:r>
-              <a:rPr lang="pt-BR" sz="1600" dirty="0" err="1">
-                <a:latin typeface="+mj-lt"/>
-              </a:rPr>
-              <a:t>salario</a:t>
-            </a:r>
-            <a:r>
-              <a:rPr lang="pt-BR" sz="1600" dirty="0">
-                <a:latin typeface="+mj-lt"/>
-              </a:rPr>
-              <a:t>;</a:t>
-            </a:r>
-          </a:p>
-          <a:p>
-            <a:r>
-              <a:rPr lang="pt-BR" sz="1600" dirty="0">
-                <a:latin typeface="+mj-lt"/>
-              </a:rPr>
-              <a:t>    </a:t>
-            </a:r>
-            <a:r>
-              <a:rPr lang="pt-BR" sz="1600" dirty="0">
-                <a:solidFill>
-                  <a:schemeClr val="accent3">
-                    <a:lumMod val="75000"/>
-                  </a:schemeClr>
-                </a:solidFill>
-                <a:latin typeface="+mj-lt"/>
-              </a:rPr>
-              <a:t>unsigned </a:t>
-            </a:r>
-            <a:r>
-              <a:rPr lang="pt-BR" sz="1600" dirty="0">
-                <a:latin typeface="+mj-lt"/>
-              </a:rPr>
-              <a:t>gols;</a:t>
-            </a:r>
-          </a:p>
-          <a:p>
-            <a:r>
-              <a:rPr lang="pt-BR" sz="1600" dirty="0">
-                <a:latin typeface="+mj-lt"/>
-              </a:rPr>
-              <a:t>};</a:t>
-            </a:r>
-          </a:p>
-        </p:txBody>
-      </p:sp>
-      <p:sp>
-        <p:nvSpPr>
-          <p:cNvPr id="11" name="Retângulo 10">
-            <a:extLst>
-              <a:ext uri="{FF2B5EF4-FFF2-40B4-BE49-F238E27FC236}">
-                <a16:creationId xmlns:a16="http://schemas.microsoft.com/office/drawing/2014/main" id="{58A417E3-C163-4135-A9A4-22CD914C35DC}"/>
-              </a:ext>
-            </a:extLst>
-          </p:cNvPr>
-          <p:cNvSpPr/>
-          <p:nvPr/>
-        </p:nvSpPr>
-        <p:spPr>
-          <a:xfrm>
-            <a:off x="3099816" y="4660580"/>
-            <a:ext cx="889086" cy="341188"/>
-          </a:xfrm>
-          <a:prstGeom prst="rect">
-            <a:avLst/>
-          </a:prstGeom>
-          <a:noFill/>
-          <a:ln>
-            <a:solidFill>
-              <a:schemeClr val="bg2">
-                <a:lumMod val="50000"/>
-              </a:schemeClr>
-            </a:solidFill>
-          </a:ln>
-          <a:effectLst/>
-        </p:spPr>
-        <p:style>
-          <a:lnRef idx="2">
-            <a:schemeClr val="accent1">
-              <a:shade val="50000"/>
-            </a:schemeClr>
-          </a:lnRef>
-          <a:fillRef idx="1">
-            <a:schemeClr val="accent1"/>
-          </a:fillRef>
-          <a:effectRef idx="0">
-            <a:schemeClr val="accent1"/>
-          </a:effectRef>
-          <a:fontRef idx="minor">
-            <a:schemeClr val="lt1"/>
-          </a:fontRef>
-        </p:style>
-        <p:txBody>
-          <a:bodyPr rtlCol="0" anchor="ctr"/>
-          <a:lstStyle/>
-          <a:p>
-            <a:pPr algn="ctr"/>
-            <a:endParaRPr lang="pt-BR"/>
-          </a:p>
-        </p:txBody>
-      </p:sp>
-      <p:sp>
-        <p:nvSpPr>
           <p:cNvPr id="2" name="Título 1"/>
           <p:cNvSpPr>
             <a:spLocks noGrp="1"/>
@@ -19472,187 +20887,413 @@
           </a:p>
         </p:txBody>
       </p:sp>
-      <p:sp>
-        <p:nvSpPr>
-          <p:cNvPr id="7" name="CaixaDeTexto 6">
+      <p:grpSp>
+        <p:nvGrpSpPr>
+          <p:cNvPr id="5" name="Agrupar 4">
             <a:extLst>
               <a:ext uri="{FF2B5EF4-FFF2-40B4-BE49-F238E27FC236}">
-                <a16:creationId xmlns:a16="http://schemas.microsoft.com/office/drawing/2014/main" id="{9273A405-EE54-4F2B-A960-2E0FDE1DDCE2}"/>
+                <a16:creationId xmlns:a16="http://schemas.microsoft.com/office/drawing/2014/main" id="{5BF005A3-358B-4F83-B276-E7D205FD9037}"/>
               </a:ext>
             </a:extLst>
           </p:cNvPr>
-          <p:cNvSpPr txBox="1"/>
+          <p:cNvGrpSpPr/>
           <p:nvPr/>
-        </p:nvSpPr>
-        <p:spPr>
+        </p:nvGrpSpPr>
+        <p:grpSpPr>
           <a:xfrm>
-            <a:off x="3130228" y="4025607"/>
-            <a:ext cx="2364750" cy="369332"/>
+            <a:off x="2281996" y="4025607"/>
+            <a:ext cx="4566364" cy="2201220"/>
+            <a:chOff x="2281996" y="4025607"/>
+            <a:chExt cx="4566364" cy="2201220"/>
           </a:xfrm>
-          <a:prstGeom prst="rect">
-            <a:avLst/>
-          </a:prstGeom>
-          <a:noFill/>
-        </p:spPr>
-        <p:txBody>
-          <a:bodyPr wrap="none" rtlCol="0">
-            <a:spAutoFit/>
-          </a:bodyPr>
-          <a:lstStyle/>
-          <a:p>
-            <a:r>
-              <a:rPr lang="pt-BR" dirty="0">
-                <a:solidFill>
-                  <a:schemeClr val="tx1">
-                    <a:lumMod val="95000"/>
-                  </a:schemeClr>
-                </a:solidFill>
-              </a:rPr>
-              <a:t>Nome de um novo tipo</a:t>
-            </a:r>
-          </a:p>
-        </p:txBody>
-      </p:sp>
-      <p:cxnSp>
-        <p:nvCxnSpPr>
-          <p:cNvPr id="8" name="Conector reto 7">
-            <a:extLst>
-              <a:ext uri="{FF2B5EF4-FFF2-40B4-BE49-F238E27FC236}">
-                <a16:creationId xmlns:a16="http://schemas.microsoft.com/office/drawing/2014/main" id="{8C800CAD-1F7F-4139-9ECD-5AAEEEA990A7}"/>
-              </a:ext>
-            </a:extLst>
-          </p:cNvPr>
-          <p:cNvCxnSpPr/>
-          <p:nvPr/>
-        </p:nvCxnSpPr>
-        <p:spPr>
-          <a:xfrm rot="5400000">
-            <a:off x="3217614" y="4511791"/>
-            <a:ext cx="285752" cy="1588"/>
-          </a:xfrm>
-          <a:prstGeom prst="line">
-            <a:avLst/>
-          </a:prstGeom>
-          <a:ln>
-            <a:solidFill>
-              <a:schemeClr val="bg2">
-                <a:lumMod val="50000"/>
+        </p:grpSpPr>
+        <p:sp>
+          <p:nvSpPr>
+            <p:cNvPr id="4" name="Retângulo 3"/>
+            <p:cNvSpPr/>
+            <p:nvPr/>
+          </p:nvSpPr>
+          <p:spPr>
+            <a:xfrm>
+              <a:off x="2281996" y="4657167"/>
+              <a:ext cx="2520280" cy="1569660"/>
+            </a:xfrm>
+            <a:prstGeom prst="rect">
+              <a:avLst/>
+            </a:prstGeom>
+          </p:spPr>
+          <p:txBody>
+            <a:bodyPr wrap="square">
+              <a:spAutoFit/>
+            </a:bodyPr>
+            <a:lstStyle/>
+            <a:p>
+              <a:r>
+                <a:rPr lang="pt-BR" sz="1600" dirty="0" err="1">
+                  <a:solidFill>
+                    <a:schemeClr val="accent3">
+                      <a:lumMod val="75000"/>
+                    </a:schemeClr>
+                  </a:solidFill>
+                  <a:latin typeface="+mj-lt"/>
+                </a:rPr>
+                <a:t>struct</a:t>
+              </a:r>
+              <a:r>
+                <a:rPr lang="pt-BR" sz="1600" dirty="0">
+                  <a:latin typeface="+mj-lt"/>
+                </a:rPr>
+                <a:t> </a:t>
+              </a:r>
+              <a:r>
+                <a:rPr lang="pt-BR" sz="1600" dirty="0">
+                  <a:solidFill>
+                    <a:schemeClr val="accent3">
+                      <a:lumMod val="40000"/>
+                      <a:lumOff val="60000"/>
+                    </a:schemeClr>
+                  </a:solidFill>
+                  <a:latin typeface="+mj-lt"/>
+                </a:rPr>
+                <a:t>jogador</a:t>
+              </a:r>
+            </a:p>
+            <a:p>
+              <a:r>
+                <a:rPr lang="pt-BR" sz="1600" dirty="0">
+                  <a:latin typeface="+mj-lt"/>
+                </a:rPr>
+                <a:t>{</a:t>
+              </a:r>
+            </a:p>
+            <a:p>
+              <a:r>
+                <a:rPr lang="pt-BR" sz="1600" dirty="0">
+                  <a:solidFill>
+                    <a:schemeClr val="accent3">
+                      <a:lumMod val="75000"/>
+                    </a:schemeClr>
+                  </a:solidFill>
+                  <a:latin typeface="+mj-lt"/>
+                </a:rPr>
+                <a:t>    char</a:t>
+              </a:r>
+              <a:r>
+                <a:rPr lang="pt-BR" sz="1600" dirty="0">
+                  <a:latin typeface="+mj-lt"/>
+                </a:rPr>
+                <a:t> nome[20];</a:t>
+              </a:r>
+            </a:p>
+            <a:p>
+              <a:r>
+                <a:rPr lang="pt-BR" sz="1600" dirty="0">
+                  <a:latin typeface="+mj-lt"/>
+                </a:rPr>
+                <a:t>    </a:t>
+              </a:r>
+              <a:r>
+                <a:rPr lang="pt-BR" sz="1600" dirty="0" err="1">
+                  <a:solidFill>
+                    <a:schemeClr val="accent3">
+                      <a:lumMod val="75000"/>
+                    </a:schemeClr>
+                  </a:solidFill>
+                  <a:latin typeface="+mj-lt"/>
+                </a:rPr>
+                <a:t>float</a:t>
+              </a:r>
+              <a:r>
+                <a:rPr lang="pt-BR" sz="1600" dirty="0">
+                  <a:latin typeface="+mj-lt"/>
+                </a:rPr>
+                <a:t> </a:t>
+              </a:r>
+              <a:r>
+                <a:rPr lang="pt-BR" sz="1600" dirty="0" err="1">
+                  <a:latin typeface="+mj-lt"/>
+                </a:rPr>
+                <a:t>salario</a:t>
+              </a:r>
+              <a:r>
+                <a:rPr lang="pt-BR" sz="1600" dirty="0">
+                  <a:latin typeface="+mj-lt"/>
+                </a:rPr>
+                <a:t>;</a:t>
+              </a:r>
+            </a:p>
+            <a:p>
+              <a:r>
+                <a:rPr lang="pt-BR" sz="1600" dirty="0">
+                  <a:latin typeface="+mj-lt"/>
+                </a:rPr>
+                <a:t>    </a:t>
+              </a:r>
+              <a:r>
+                <a:rPr lang="pt-BR" sz="1600" dirty="0">
+                  <a:solidFill>
+                    <a:schemeClr val="accent3">
+                      <a:lumMod val="75000"/>
+                    </a:schemeClr>
+                  </a:solidFill>
+                  <a:latin typeface="+mj-lt"/>
+                </a:rPr>
+                <a:t>unsigned </a:t>
+              </a:r>
+              <a:r>
+                <a:rPr lang="pt-BR" sz="1600" dirty="0">
+                  <a:latin typeface="+mj-lt"/>
+                </a:rPr>
+                <a:t>gols;</a:t>
+              </a:r>
+            </a:p>
+            <a:p>
+              <a:r>
+                <a:rPr lang="pt-BR" sz="1600" dirty="0">
+                  <a:latin typeface="+mj-lt"/>
+                </a:rPr>
+                <a:t>};</a:t>
+              </a:r>
+            </a:p>
+          </p:txBody>
+        </p:sp>
+        <p:sp>
+          <p:nvSpPr>
+            <p:cNvPr id="11" name="Retângulo 10">
+              <a:extLst>
+                <a:ext uri="{FF2B5EF4-FFF2-40B4-BE49-F238E27FC236}">
+                  <a16:creationId xmlns:a16="http://schemas.microsoft.com/office/drawing/2014/main" id="{58A417E3-C163-4135-A9A4-22CD914C35DC}"/>
+                </a:ext>
+              </a:extLst>
+            </p:cNvPr>
+            <p:cNvSpPr/>
+            <p:nvPr/>
+          </p:nvSpPr>
+          <p:spPr>
+            <a:xfrm>
+              <a:off x="3099816" y="4660580"/>
+              <a:ext cx="889086" cy="341188"/>
+            </a:xfrm>
+            <a:prstGeom prst="rect">
+              <a:avLst/>
+            </a:prstGeom>
+            <a:noFill/>
+            <a:ln>
+              <a:solidFill>
+                <a:schemeClr val="bg2">
+                  <a:lumMod val="75000"/>
+                </a:schemeClr>
+              </a:solidFill>
+            </a:ln>
+            <a:effectLst/>
+          </p:spPr>
+          <p:style>
+            <a:lnRef idx="2">
+              <a:schemeClr val="accent1">
+                <a:shade val="50000"/>
               </a:schemeClr>
-            </a:solidFill>
-          </a:ln>
-        </p:spPr>
-        <p:style>
-          <a:lnRef idx="1">
-            <a:schemeClr val="accent1"/>
-          </a:lnRef>
-          <a:fillRef idx="0">
-            <a:schemeClr val="accent1"/>
-          </a:fillRef>
-          <a:effectRef idx="0">
-            <a:schemeClr val="accent1"/>
-          </a:effectRef>
-          <a:fontRef idx="minor">
-            <a:schemeClr val="tx1"/>
-          </a:fontRef>
-        </p:style>
-      </p:cxnSp>
-      <p:sp>
-        <p:nvSpPr>
-          <p:cNvPr id="10" name="CaixaDeTexto 9">
-            <a:extLst>
-              <a:ext uri="{FF2B5EF4-FFF2-40B4-BE49-F238E27FC236}">
-                <a16:creationId xmlns:a16="http://schemas.microsoft.com/office/drawing/2014/main" id="{454FA266-F0CE-4B86-9A03-0C63EE2DE123}"/>
-              </a:ext>
-            </a:extLst>
-          </p:cNvPr>
-          <p:cNvSpPr txBox="1"/>
-          <p:nvPr/>
-        </p:nvSpPr>
-        <p:spPr>
-          <a:xfrm>
-            <a:off x="4583832" y="5236386"/>
-            <a:ext cx="2264528" cy="646331"/>
-          </a:xfrm>
-          <a:prstGeom prst="rect">
-            <a:avLst/>
-          </a:prstGeom>
-          <a:noFill/>
-        </p:spPr>
-        <p:txBody>
-          <a:bodyPr wrap="square" rtlCol="0">
-            <a:spAutoFit/>
-          </a:bodyPr>
-          <a:lstStyle/>
-          <a:p>
-            <a:pPr algn="ctr"/>
-            <a:r>
-              <a:rPr lang="pt-BR" dirty="0">
-                <a:solidFill>
-                  <a:schemeClr val="tx1">
-                    <a:lumMod val="95000"/>
-                  </a:schemeClr>
-                </a:solidFill>
-              </a:rPr>
-              <a:t>Tipo das informações armazenadas</a:t>
-            </a:r>
-          </a:p>
-        </p:txBody>
-      </p:sp>
-      <p:sp>
-        <p:nvSpPr>
-          <p:cNvPr id="12" name="Retângulo 11">
-            <a:extLst>
-              <a:ext uri="{FF2B5EF4-FFF2-40B4-BE49-F238E27FC236}">
-                <a16:creationId xmlns:a16="http://schemas.microsoft.com/office/drawing/2014/main" id="{6526A97D-4C32-4665-AD83-BE254EF65411}"/>
-              </a:ext>
-            </a:extLst>
-          </p:cNvPr>
-          <p:cNvSpPr/>
-          <p:nvPr/>
-        </p:nvSpPr>
-        <p:spPr>
-          <a:xfrm>
-            <a:off x="2734056" y="5138928"/>
-            <a:ext cx="1746504" cy="841248"/>
-          </a:xfrm>
-          <a:prstGeom prst="rect">
-            <a:avLst/>
-          </a:prstGeom>
-          <a:noFill/>
-          <a:ln>
-            <a:solidFill>
-              <a:schemeClr val="bg2">
-                <a:lumMod val="50000"/>
+            </a:lnRef>
+            <a:fillRef idx="1">
+              <a:schemeClr val="accent1"/>
+            </a:fillRef>
+            <a:effectRef idx="0">
+              <a:schemeClr val="accent1"/>
+            </a:effectRef>
+            <a:fontRef idx="minor">
+              <a:schemeClr val="lt1"/>
+            </a:fontRef>
+          </p:style>
+          <p:txBody>
+            <a:bodyPr rtlCol="0" anchor="ctr"/>
+            <a:lstStyle/>
+            <a:p>
+              <a:pPr algn="ctr"/>
+              <a:endParaRPr lang="pt-BR"/>
+            </a:p>
+          </p:txBody>
+        </p:sp>
+        <p:sp>
+          <p:nvSpPr>
+            <p:cNvPr id="7" name="CaixaDeTexto 6">
+              <a:extLst>
+                <a:ext uri="{FF2B5EF4-FFF2-40B4-BE49-F238E27FC236}">
+                  <a16:creationId xmlns:a16="http://schemas.microsoft.com/office/drawing/2014/main" id="{9273A405-EE54-4F2B-A960-2E0FDE1DDCE2}"/>
+                </a:ext>
+              </a:extLst>
+            </p:cNvPr>
+            <p:cNvSpPr txBox="1"/>
+            <p:nvPr/>
+          </p:nvSpPr>
+          <p:spPr>
+            <a:xfrm>
+              <a:off x="3130228" y="4025607"/>
+              <a:ext cx="2364750" cy="369332"/>
+            </a:xfrm>
+            <a:prstGeom prst="rect">
+              <a:avLst/>
+            </a:prstGeom>
+            <a:noFill/>
+          </p:spPr>
+          <p:txBody>
+            <a:bodyPr wrap="none" rtlCol="0">
+              <a:spAutoFit/>
+            </a:bodyPr>
+            <a:lstStyle/>
+            <a:p>
+              <a:r>
+                <a:rPr lang="pt-BR" dirty="0">
+                  <a:solidFill>
+                    <a:schemeClr val="tx1">
+                      <a:lumMod val="95000"/>
+                    </a:schemeClr>
+                  </a:solidFill>
+                </a:rPr>
+                <a:t>Nome de um novo tipo</a:t>
+              </a:r>
+            </a:p>
+          </p:txBody>
+        </p:sp>
+        <p:cxnSp>
+          <p:nvCxnSpPr>
+            <p:cNvPr id="8" name="Conector reto 7">
+              <a:extLst>
+                <a:ext uri="{FF2B5EF4-FFF2-40B4-BE49-F238E27FC236}">
+                  <a16:creationId xmlns:a16="http://schemas.microsoft.com/office/drawing/2014/main" id="{8C800CAD-1F7F-4139-9ECD-5AAEEEA990A7}"/>
+                </a:ext>
+              </a:extLst>
+            </p:cNvPr>
+            <p:cNvCxnSpPr/>
+            <p:nvPr/>
+          </p:nvCxnSpPr>
+          <p:spPr>
+            <a:xfrm rot="5400000">
+              <a:off x="3217614" y="4511791"/>
+              <a:ext cx="285752" cy="1588"/>
+            </a:xfrm>
+            <a:prstGeom prst="line">
+              <a:avLst/>
+            </a:prstGeom>
+            <a:ln>
+              <a:solidFill>
+                <a:schemeClr val="bg2">
+                  <a:lumMod val="75000"/>
+                </a:schemeClr>
+              </a:solidFill>
+            </a:ln>
+          </p:spPr>
+          <p:style>
+            <a:lnRef idx="1">
+              <a:schemeClr val="accent1"/>
+            </a:lnRef>
+            <a:fillRef idx="0">
+              <a:schemeClr val="accent1"/>
+            </a:fillRef>
+            <a:effectRef idx="0">
+              <a:schemeClr val="accent1"/>
+            </a:effectRef>
+            <a:fontRef idx="minor">
+              <a:schemeClr val="tx1"/>
+            </a:fontRef>
+          </p:style>
+        </p:cxnSp>
+        <p:sp>
+          <p:nvSpPr>
+            <p:cNvPr id="10" name="CaixaDeTexto 9">
+              <a:extLst>
+                <a:ext uri="{FF2B5EF4-FFF2-40B4-BE49-F238E27FC236}">
+                  <a16:creationId xmlns:a16="http://schemas.microsoft.com/office/drawing/2014/main" id="{454FA266-F0CE-4B86-9A03-0C63EE2DE123}"/>
+                </a:ext>
+              </a:extLst>
+            </p:cNvPr>
+            <p:cNvSpPr txBox="1"/>
+            <p:nvPr/>
+          </p:nvSpPr>
+          <p:spPr>
+            <a:xfrm>
+              <a:off x="4583832" y="5236386"/>
+              <a:ext cx="2264528" cy="646331"/>
+            </a:xfrm>
+            <a:prstGeom prst="rect">
+              <a:avLst/>
+            </a:prstGeom>
+            <a:noFill/>
+          </p:spPr>
+          <p:txBody>
+            <a:bodyPr wrap="square" rtlCol="0">
+              <a:spAutoFit/>
+            </a:bodyPr>
+            <a:lstStyle/>
+            <a:p>
+              <a:pPr algn="ctr"/>
+              <a:r>
+                <a:rPr lang="pt-BR" dirty="0">
+                  <a:solidFill>
+                    <a:schemeClr val="tx1">
+                      <a:lumMod val="95000"/>
+                    </a:schemeClr>
+                  </a:solidFill>
+                </a:rPr>
+                <a:t>Tipo das informações armazenadas</a:t>
+              </a:r>
+            </a:p>
+          </p:txBody>
+        </p:sp>
+        <p:sp>
+          <p:nvSpPr>
+            <p:cNvPr id="12" name="Retângulo 11">
+              <a:extLst>
+                <a:ext uri="{FF2B5EF4-FFF2-40B4-BE49-F238E27FC236}">
+                  <a16:creationId xmlns:a16="http://schemas.microsoft.com/office/drawing/2014/main" id="{6526A97D-4C32-4665-AD83-BE254EF65411}"/>
+                </a:ext>
+              </a:extLst>
+            </p:cNvPr>
+            <p:cNvSpPr/>
+            <p:nvPr/>
+          </p:nvSpPr>
+          <p:spPr>
+            <a:xfrm>
+              <a:off x="2734056" y="5138928"/>
+              <a:ext cx="1746504" cy="841248"/>
+            </a:xfrm>
+            <a:prstGeom prst="rect">
+              <a:avLst/>
+            </a:prstGeom>
+            <a:noFill/>
+            <a:ln>
+              <a:solidFill>
+                <a:schemeClr val="bg2">
+                  <a:lumMod val="75000"/>
+                </a:schemeClr>
+              </a:solidFill>
+            </a:ln>
+            <a:effectLst/>
+          </p:spPr>
+          <p:style>
+            <a:lnRef idx="2">
+              <a:schemeClr val="accent1">
+                <a:shade val="50000"/>
               </a:schemeClr>
-            </a:solidFill>
-          </a:ln>
-          <a:effectLst/>
-        </p:spPr>
-        <p:style>
-          <a:lnRef idx="2">
-            <a:schemeClr val="accent1">
-              <a:shade val="50000"/>
-            </a:schemeClr>
-          </a:lnRef>
-          <a:fillRef idx="1">
-            <a:schemeClr val="accent1"/>
-          </a:fillRef>
-          <a:effectRef idx="0">
-            <a:schemeClr val="accent1"/>
-          </a:effectRef>
-          <a:fontRef idx="minor">
-            <a:schemeClr val="lt1"/>
-          </a:fontRef>
-        </p:style>
-        <p:txBody>
-          <a:bodyPr rtlCol="0" anchor="ctr"/>
-          <a:lstStyle/>
-          <a:p>
-            <a:pPr algn="ctr"/>
-            <a:endParaRPr lang="pt-BR"/>
-          </a:p>
-        </p:txBody>
-      </p:sp>
+            </a:lnRef>
+            <a:fillRef idx="1">
+              <a:schemeClr val="accent1"/>
+            </a:fillRef>
+            <a:effectRef idx="0">
+              <a:schemeClr val="accent1"/>
+            </a:effectRef>
+            <a:fontRef idx="minor">
+              <a:schemeClr val="lt1"/>
+            </a:fontRef>
+          </p:style>
+          <p:txBody>
+            <a:bodyPr rtlCol="0" anchor="ctr"/>
+            <a:lstStyle/>
+            <a:p>
+              <a:pPr algn="ctr"/>
+              <a:endParaRPr lang="pt-BR"/>
+            </a:p>
+          </p:txBody>
+        </p:sp>
+      </p:grpSp>
     </p:spTree>
   </p:cSld>
   <p:clrMapOvr>
@@ -19733,7 +21374,14 @@
             </a:r>
             <a:r>
               <a:rPr lang="pt-BR" dirty="0"/>
-              <a:t>são definidos por instruções de declaração de variáveis</a:t>
+              <a:t>são definidos </a:t>
+            </a:r>
+            <a:br>
+              <a:rPr lang="pt-BR" dirty="0"/>
+            </a:br>
+            <a:r>
+              <a:rPr lang="pt-BR" dirty="0"/>
+              <a:t>por instruções de declaração de variáveis</a:t>
             </a:r>
           </a:p>
           <a:p>
@@ -20308,7 +21956,9 @@
         </p:nvSpPr>
         <p:spPr/>
         <p:txBody>
-          <a:bodyPr/>
+          <a:bodyPr>
+            <a:normAutofit/>
+          </a:bodyPr>
           <a:lstStyle/>
           <a:p>
             <a:r>
@@ -20373,7 +22023,7 @@
         </p:nvSpPr>
         <p:spPr>
           <a:xfrm>
-            <a:off x="1703512" y="2967335"/>
+            <a:off x="4871864" y="3007730"/>
             <a:ext cx="2084225" cy="923330"/>
           </a:xfrm>
           <a:prstGeom prst="rect">
@@ -20581,8 +22231,8 @@
         </p:nvSpPr>
         <p:spPr>
           <a:xfrm>
-            <a:off x="8688288" y="1873076"/>
-            <a:ext cx="2376264" cy="1569660"/>
+            <a:off x="2004510" y="2869231"/>
+            <a:ext cx="1800200" cy="1200329"/>
           </a:xfrm>
           <a:prstGeom prst="rect">
             <a:avLst/>
@@ -20595,7 +22245,7 @@
           <a:lstStyle/>
           <a:p>
             <a:r>
-              <a:rPr lang="pt-BR" sz="1600" dirty="0" err="1">
+              <a:rPr lang="pt-BR" sz="1200" dirty="0" err="1">
                 <a:solidFill>
                   <a:schemeClr val="accent3">
                     <a:lumMod val="75000"/>
@@ -20606,13 +22256,13 @@
               <a:t>struct</a:t>
             </a:r>
             <a:r>
-              <a:rPr lang="pt-BR" sz="1600" dirty="0">
+              <a:rPr lang="pt-BR" sz="1200" dirty="0">
                 <a:latin typeface="+mj-lt"/>
               </a:rPr>
               <a:t> </a:t>
             </a:r>
             <a:r>
-              <a:rPr lang="pt-BR" sz="1600" dirty="0">
+              <a:rPr lang="pt-BR" sz="1200" dirty="0">
                 <a:solidFill>
                   <a:schemeClr val="accent3">
                     <a:lumMod val="40000"/>
@@ -20626,7 +22276,7 @@
           </a:p>
           <a:p>
             <a:r>
-              <a:rPr lang="pt-BR" sz="1600" dirty="0">
+              <a:rPr lang="pt-BR" sz="1200" dirty="0">
                 <a:latin typeface="+mj-lt"/>
               </a:rPr>
               <a:t>{</a:t>
@@ -20634,7 +22284,7 @@
           </a:p>
           <a:p>
             <a:r>
-              <a:rPr lang="pt-BR" sz="1600" dirty="0">
+              <a:rPr lang="pt-BR" sz="1200" dirty="0">
                 <a:solidFill>
                   <a:schemeClr val="accent3">
                     <a:lumMod val="75000"/>
@@ -20645,7 +22295,7 @@
               <a:t>    char</a:t>
             </a:r>
             <a:r>
-              <a:rPr lang="pt-BR" sz="1600" dirty="0">
+              <a:rPr lang="pt-BR" sz="1200" dirty="0">
                 <a:latin typeface="+mj-lt"/>
               </a:rPr>
               <a:t> nome[20];</a:t>
@@ -20653,13 +22303,13 @@
           </a:p>
           <a:p>
             <a:r>
-              <a:rPr lang="pt-BR" sz="1600" dirty="0">
+              <a:rPr lang="pt-BR" sz="1200" dirty="0">
                 <a:latin typeface="+mj-lt"/>
               </a:rPr>
               <a:t>    </a:t>
             </a:r>
             <a:r>
-              <a:rPr lang="pt-BR" sz="1600" dirty="0" err="1">
+              <a:rPr lang="pt-BR" sz="1200" dirty="0" err="1">
                 <a:solidFill>
                   <a:schemeClr val="accent3">
                     <a:lumMod val="75000"/>
@@ -20670,19 +22320,19 @@
               <a:t>float</a:t>
             </a:r>
             <a:r>
-              <a:rPr lang="pt-BR" sz="1600" dirty="0">
+              <a:rPr lang="pt-BR" sz="1200" dirty="0">
                 <a:latin typeface="+mj-lt"/>
               </a:rPr>
               <a:t> </a:t>
             </a:r>
             <a:r>
-              <a:rPr lang="pt-BR" sz="1600" dirty="0" err="1">
+              <a:rPr lang="pt-BR" sz="1200" dirty="0" err="1">
                 <a:latin typeface="+mj-lt"/>
               </a:rPr>
               <a:t>salario</a:t>
             </a:r>
             <a:r>
-              <a:rPr lang="pt-BR" sz="1600" dirty="0">
+              <a:rPr lang="pt-BR" sz="1200" dirty="0">
                 <a:latin typeface="+mj-lt"/>
               </a:rPr>
               <a:t>;</a:t>
@@ -20690,13 +22340,13 @@
           </a:p>
           <a:p>
             <a:r>
-              <a:rPr lang="pt-BR" sz="1600" dirty="0">
+              <a:rPr lang="pt-BR" sz="1200" dirty="0">
                 <a:latin typeface="+mj-lt"/>
               </a:rPr>
               <a:t>    </a:t>
             </a:r>
             <a:r>
-              <a:rPr lang="pt-BR" sz="1600" dirty="0">
+              <a:rPr lang="pt-BR" sz="1200" dirty="0">
                 <a:solidFill>
                   <a:schemeClr val="accent3">
                     <a:lumMod val="75000"/>
@@ -20707,7 +22357,7 @@
               <a:t>unsigned </a:t>
             </a:r>
             <a:r>
-              <a:rPr lang="pt-BR" sz="1600" dirty="0">
+              <a:rPr lang="pt-BR" sz="1200" dirty="0">
                 <a:latin typeface="+mj-lt"/>
               </a:rPr>
               <a:t>gols;</a:t>
@@ -20715,11 +22365,63 @@
           </a:p>
           <a:p>
             <a:r>
-              <a:rPr lang="pt-BR" sz="1600" dirty="0">
+              <a:rPr lang="pt-BR" sz="1200" dirty="0">
                 <a:latin typeface="+mj-lt"/>
               </a:rPr>
               <a:t>};</a:t>
             </a:r>
+          </a:p>
+        </p:txBody>
+      </p:sp>
+      <p:sp>
+        <p:nvSpPr>
+          <p:cNvPr id="8" name="Seta: para a Direita 7">
+            <a:extLst>
+              <a:ext uri="{FF2B5EF4-FFF2-40B4-BE49-F238E27FC236}">
+                <a16:creationId xmlns:a16="http://schemas.microsoft.com/office/drawing/2014/main" id="{B8E76898-66D9-4401-844D-E55C982C3FE3}"/>
+              </a:ext>
+            </a:extLst>
+          </p:cNvPr>
+          <p:cNvSpPr/>
+          <p:nvPr/>
+        </p:nvSpPr>
+        <p:spPr>
+          <a:xfrm>
+            <a:off x="4096544" y="3284729"/>
+            <a:ext cx="432048" cy="369332"/>
+          </a:xfrm>
+          <a:prstGeom prst="rightArrow">
+            <a:avLst/>
+          </a:prstGeom>
+          <a:solidFill>
+            <a:schemeClr val="accent3">
+              <a:alpha val="50000"/>
+            </a:schemeClr>
+          </a:solidFill>
+          <a:ln>
+            <a:noFill/>
+          </a:ln>
+        </p:spPr>
+        <p:style>
+          <a:lnRef idx="0">
+            <a:scrgbClr r="0" g="0" b="0"/>
+          </a:lnRef>
+          <a:fillRef idx="0">
+            <a:scrgbClr r="0" g="0" b="0"/>
+          </a:fillRef>
+          <a:effectRef idx="0">
+            <a:scrgbClr r="0" g="0" b="0"/>
+          </a:effectRef>
+          <a:fontRef idx="minor">
+            <a:schemeClr val="lt1"/>
+          </a:fontRef>
+        </p:style>
+        <p:txBody>
+          <a:bodyPr rtlCol="0" anchor="ctr"/>
+          <a:lstStyle/>
+          <a:p>
+            <a:pPr algn="ctr"/>
+            <a:endParaRPr lang="pt-BR"/>
           </a:p>
         </p:txBody>
       </p:sp>

--- a/Slides/12. Registros.pptx
+++ b/Slides/12. Registros.pptx
@@ -160,10 +160,17 @@
   <pc:docChgLst>
     <pc:chgData name="Judson Santiago" userId="ebb108da2f256286" providerId="LiveId" clId="{B4AC7A3D-FB04-41E0-90AF-967887E9CB9C}"/>
     <pc:docChg chg="undo redo custSel addSld modSld modMainMaster">
-      <pc:chgData name="Judson Santiago" userId="ebb108da2f256286" providerId="LiveId" clId="{B4AC7A3D-FB04-41E0-90AF-967887E9CB9C}" dt="2021-04-10T18:56:58.982" v="716" actId="20577"/>
+      <pc:chgData name="Judson Santiago" userId="ebb108da2f256286" providerId="LiveId" clId="{B4AC7A3D-FB04-41E0-90AF-967887E9CB9C}" dt="2021-04-10T19:05:36.511" v="717"/>
       <pc:docMkLst>
         <pc:docMk/>
       </pc:docMkLst>
+      <pc:sldChg chg="modNotesTx">
+        <pc:chgData name="Judson Santiago" userId="ebb108da2f256286" providerId="LiveId" clId="{B4AC7A3D-FB04-41E0-90AF-967887E9CB9C}" dt="2021-04-10T19:05:36.511" v="717"/>
+        <pc:sldMkLst>
+          <pc:docMk/>
+          <pc:sldMk cId="0" sldId="256"/>
+        </pc:sldMkLst>
+      </pc:sldChg>
       <pc:sldChg chg="modSp mod">
         <pc:chgData name="Judson Santiago" userId="ebb108da2f256286" providerId="LiveId" clId="{B4AC7A3D-FB04-41E0-90AF-967887E9CB9C}" dt="2021-04-10T18:16:08.891" v="175"/>
         <pc:sldMkLst>
@@ -2462,35 +2469,37 @@
           <a:bodyPr/>
           <a:lstStyle/>
           <a:p>
-            <a:pPr marL="0" marR="0" indent="0" algn="l" defTabSz="914400" rtl="0" eaLnBrk="1" fontAlgn="auto" latinLnBrk="0" hangingPunct="1">
-              <a:lnSpc>
-                <a:spcPct val="100000"/>
-              </a:lnSpc>
-              <a:spcBef>
-                <a:spcPts val="0"/>
-              </a:spcBef>
-              <a:spcAft>
-                <a:spcPts val="0"/>
-              </a:spcAft>
-              <a:buClrTx/>
-              <a:buSzTx/>
-              <a:buFontTx/>
-              <a:buNone/>
-              <a:tabLst/>
-              <a:defRPr/>
-            </a:pPr>
-            <a:r>
-              <a:rPr lang="pt-BR" dirty="0"/>
-              <a:t>Ao contrário da declaração de um vetor, a declaração de um registro</a:t>
-            </a:r>
-            <a:r>
-              <a:rPr lang="pt-BR" baseline="0" dirty="0"/>
-              <a:t> não reserva espaço em memória para o armazenamento de informações, ela apenas define um novo tipo de dado.</a:t>
-            </a:r>
-            <a:endParaRPr lang="pt-BR" dirty="0"/>
-          </a:p>
-          <a:p>
-            <a:endParaRPr lang="pt-BR" dirty="0"/>
+            <a:r>
+              <a:rPr lang="pt-BR" b="0" i="0" dirty="0">
+                <a:solidFill>
+                  <a:srgbClr val="000000"/>
+                </a:solidFill>
+                <a:effectLst/>
+                <a:latin typeface="Verdana" panose="020B0604030504040204" pitchFamily="34" charset="0"/>
+              </a:rPr>
+              <a:t>Declaração de registros. Registros como um novo tipo de dado. Criação de variáveis tipo registro. Comportamento dos registros em relação aos tipos básicos. Vetores de registros. Registros sem nome e suas aplicações. Usando registros para criar um tipo Complexo, com suporte a </a:t>
+            </a:r>
+            <a:r>
+              <a:rPr lang="pt-BR" b="0" i="0" dirty="0" err="1">
+                <a:solidFill>
+                  <a:srgbClr val="000000"/>
+                </a:solidFill>
+                <a:effectLst/>
+                <a:latin typeface="Verdana" panose="020B0604030504040204" pitchFamily="34" charset="0"/>
+              </a:rPr>
+              <a:t>cin</a:t>
+            </a:r>
+            <a:r>
+              <a:rPr lang="pt-BR" b="0" i="0">
+                <a:solidFill>
+                  <a:srgbClr val="000000"/>
+                </a:solidFill>
+                <a:effectLst/>
+                <a:latin typeface="Verdana" panose="020B0604030504040204" pitchFamily="34" charset="0"/>
+              </a:rPr>
+              <a:t>, cout e operadores de soma e multiplicação.</a:t>
+            </a:r>
+            <a:endParaRPr lang="pt-BR"/>
           </a:p>
         </p:txBody>
       </p:sp>
@@ -2501,7 +2510,7 @@
             <a:spLocks noGrp="1"/>
           </p:cNvSpPr>
           <p:nvPr>
-            <p:ph type="sldNum" sz="quarter" idx="10"/>
+            <p:ph type="sldNum" sz="quarter" idx="5"/>
           </p:nvPr>
         </p:nvSpPr>
         <p:spPr/>
@@ -2512,7 +2521,7 @@
             <a:fld id="{EE40C300-7E0A-46C4-9DB8-34F3F387883F}" type="slidenum">
               <a:rPr lang="pt-BR" smtClean="0"/>
               <a:pPr/>
-              <a:t>7</a:t>
+              <a:t>1</a:t>
             </a:fld>
             <a:endParaRPr lang="pt-BR"/>
           </a:p>
@@ -2521,7 +2530,7 @@
     </p:spTree>
     <p:extLst>
       <p:ext uri="{BB962C8B-B14F-4D97-AF65-F5344CB8AC3E}">
-        <p14:creationId xmlns:p14="http://schemas.microsoft.com/office/powerpoint/2010/main" val="1887573109"/>
+        <p14:creationId xmlns:p14="http://schemas.microsoft.com/office/powerpoint/2010/main" val="3132254439"/>
       </p:ext>
     </p:extLst>
   </p:cSld>
@@ -2532,6 +2541,122 @@
 </file>
 
 <file path=ppt/notesSlides/notesSlide10.xml><?xml version="1.0" encoding="utf-8"?>
+<p:notes xmlns:a="http://schemas.openxmlformats.org/drawingml/2006/main" xmlns:r="http://schemas.openxmlformats.org/officeDocument/2006/relationships" xmlns:p="http://schemas.openxmlformats.org/presentationml/2006/main">
+  <p:cSld>
+    <p:spTree>
+      <p:nvGrpSpPr>
+        <p:cNvPr id="1" name=""/>
+        <p:cNvGrpSpPr/>
+        <p:nvPr/>
+      </p:nvGrpSpPr>
+      <p:grpSpPr>
+        <a:xfrm>
+          <a:off x="0" y="0"/>
+          <a:ext cx="0" cy="0"/>
+          <a:chOff x="0" y="0"/>
+          <a:chExt cx="0" cy="0"/>
+        </a:xfrm>
+      </p:grpSpPr>
+      <p:sp>
+        <p:nvSpPr>
+          <p:cNvPr id="2" name="Espaço Reservado para Imagem de Slide 1"/>
+          <p:cNvSpPr>
+            <a:spLocks noGrp="1" noRot="1" noChangeAspect="1"/>
+          </p:cNvSpPr>
+          <p:nvPr>
+            <p:ph type="sldImg"/>
+          </p:nvPr>
+        </p:nvSpPr>
+        <p:spPr>
+          <a:xfrm>
+            <a:off x="381000" y="685800"/>
+            <a:ext cx="6096000" cy="3429000"/>
+          </a:xfrm>
+        </p:spPr>
+      </p:sp>
+      <p:sp>
+        <p:nvSpPr>
+          <p:cNvPr id="3" name="Espaço Reservado para Anotações 2"/>
+          <p:cNvSpPr>
+            <a:spLocks noGrp="1"/>
+          </p:cNvSpPr>
+          <p:nvPr>
+            <p:ph type="body" idx="1"/>
+          </p:nvPr>
+        </p:nvSpPr>
+        <p:spPr/>
+        <p:txBody>
+          <a:bodyPr>
+            <a:normAutofit/>
+          </a:bodyPr>
+          <a:lstStyle/>
+          <a:p>
+            <a:r>
+              <a:rPr lang="pt-BR" sz="1200" dirty="0">
+                <a:solidFill>
+                  <a:schemeClr val="bg1"/>
+                </a:solidFill>
+              </a:rPr>
+              <a:t>» Usar o </a:t>
+            </a:r>
+            <a:r>
+              <a:rPr lang="pt-BR" sz="1200" b="1" dirty="0">
+                <a:solidFill>
+                  <a:schemeClr val="bg1"/>
+                </a:solidFill>
+              </a:rPr>
+              <a:t>depurador</a:t>
+            </a:r>
+            <a:r>
+              <a:rPr lang="pt-BR" sz="1200" dirty="0">
+                <a:solidFill>
+                  <a:schemeClr val="bg1"/>
+                </a:solidFill>
+              </a:rPr>
+              <a:t> para exibir os registros e mostrar que eles são iguais</a:t>
+            </a:r>
+            <a:endParaRPr lang="pt-BR" dirty="0"/>
+          </a:p>
+        </p:txBody>
+      </p:sp>
+      <p:sp>
+        <p:nvSpPr>
+          <p:cNvPr id="4" name="Espaço Reservado para Número de Slide 3"/>
+          <p:cNvSpPr>
+            <a:spLocks noGrp="1"/>
+          </p:cNvSpPr>
+          <p:nvPr>
+            <p:ph type="sldNum" sz="quarter" idx="10"/>
+          </p:nvPr>
+        </p:nvSpPr>
+        <p:spPr/>
+        <p:txBody>
+          <a:bodyPr/>
+          <a:lstStyle/>
+          <a:p>
+            <a:fld id="{EE40C300-7E0A-46C4-9DB8-34F3F387883F}" type="slidenum">
+              <a:rPr lang="pt-BR" smtClean="0"/>
+              <a:pPr/>
+              <a:t>16</a:t>
+            </a:fld>
+            <a:endParaRPr lang="pt-BR"/>
+          </a:p>
+        </p:txBody>
+      </p:sp>
+    </p:spTree>
+    <p:extLst>
+      <p:ext uri="{BB962C8B-B14F-4D97-AF65-F5344CB8AC3E}">
+        <p14:creationId xmlns:p14="http://schemas.microsoft.com/office/powerpoint/2010/main" val="3169121132"/>
+      </p:ext>
+    </p:extLst>
+  </p:cSld>
+  <p:clrMapOvr>
+    <a:masterClrMapping/>
+  </p:clrMapOvr>
+</p:notes>
+</file>
+
+<file path=ppt/notesSlides/notesSlide11.xml><?xml version="1.0" encoding="utf-8"?>
 <p:notes xmlns:a="http://schemas.openxmlformats.org/drawingml/2006/main" xmlns:r="http://schemas.openxmlformats.org/officeDocument/2006/relationships" xmlns:p="http://schemas.openxmlformats.org/presentationml/2006/main">
   <p:cSld>
     <p:spTree>
@@ -2688,6 +2813,34 @@
           <a:bodyPr/>
           <a:lstStyle/>
           <a:p>
+            <a:pPr marL="0" marR="0" indent="0" algn="l" defTabSz="914400" rtl="0" eaLnBrk="1" fontAlgn="auto" latinLnBrk="0" hangingPunct="1">
+              <a:lnSpc>
+                <a:spcPct val="100000"/>
+              </a:lnSpc>
+              <a:spcBef>
+                <a:spcPts val="0"/>
+              </a:spcBef>
+              <a:spcAft>
+                <a:spcPts val="0"/>
+              </a:spcAft>
+              <a:buClrTx/>
+              <a:buSzTx/>
+              <a:buFontTx/>
+              <a:buNone/>
+              <a:tabLst/>
+              <a:defRPr/>
+            </a:pPr>
+            <a:r>
+              <a:rPr lang="pt-BR" dirty="0"/>
+              <a:t>Ao contrário da declaração de um vetor, a declaração de um registro</a:t>
+            </a:r>
+            <a:r>
+              <a:rPr lang="pt-BR" baseline="0" dirty="0"/>
+              <a:t> não reserva espaço em memória para o armazenamento de informações, ela apenas define um novo tipo de dado.</a:t>
+            </a:r>
+            <a:endParaRPr lang="pt-BR" dirty="0"/>
+          </a:p>
+          <a:p>
             <a:endParaRPr lang="pt-BR" dirty="0"/>
           </a:p>
         </p:txBody>
@@ -2710,7 +2863,7 @@
             <a:fld id="{EE40C300-7E0A-46C4-9DB8-34F3F387883F}" type="slidenum">
               <a:rPr lang="pt-BR" smtClean="0"/>
               <a:pPr/>
-              <a:t>8</a:t>
+              <a:t>7</a:t>
             </a:fld>
             <a:endParaRPr lang="pt-BR"/>
           </a:p>
@@ -2719,7 +2872,7 @@
     </p:spTree>
     <p:extLst>
       <p:ext uri="{BB962C8B-B14F-4D97-AF65-F5344CB8AC3E}">
-        <p14:creationId xmlns:p14="http://schemas.microsoft.com/office/powerpoint/2010/main" val="1779407163"/>
+        <p14:creationId xmlns:p14="http://schemas.microsoft.com/office/powerpoint/2010/main" val="1887573109"/>
       </p:ext>
     </p:extLst>
   </p:cSld>
@@ -2748,7 +2901,7 @@
       </p:grpSpPr>
       <p:sp>
         <p:nvSpPr>
-          <p:cNvPr id="2" name="Slide Image Placeholder 1"/>
+          <p:cNvPr id="2" name="Espaço Reservado para Imagem de Slide 1"/>
           <p:cNvSpPr>
             <a:spLocks noGrp="1" noRot="1" noChangeAspect="1"/>
           </p:cNvSpPr>
@@ -2756,16 +2909,11 @@
             <p:ph type="sldImg"/>
           </p:nvPr>
         </p:nvSpPr>
-        <p:spPr>
-          <a:xfrm>
-            <a:off x="381000" y="685800"/>
-            <a:ext cx="6096000" cy="3429000"/>
-          </a:xfrm>
-        </p:spPr>
-      </p:sp>
-      <p:sp>
-        <p:nvSpPr>
-          <p:cNvPr id="3" name="Notes Placeholder 2"/>
+        <p:spPr/>
+      </p:sp>
+      <p:sp>
+        <p:nvSpPr>
+          <p:cNvPr id="3" name="Espaço Reservado para Anotações 2"/>
           <p:cNvSpPr>
             <a:spLocks noGrp="1"/>
           </p:cNvSpPr>
@@ -2784,7 +2932,7 @@
       </p:sp>
       <p:sp>
         <p:nvSpPr>
-          <p:cNvPr id="4" name="Slide Number Placeholder 3"/>
+          <p:cNvPr id="4" name="Espaço Reservado para Número de Slide 3"/>
           <p:cNvSpPr>
             <a:spLocks noGrp="1"/>
           </p:cNvSpPr>
@@ -2800,7 +2948,7 @@
             <a:fld id="{EE40C300-7E0A-46C4-9DB8-34F3F387883F}" type="slidenum">
               <a:rPr lang="pt-BR" smtClean="0"/>
               <a:pPr/>
-              <a:t>9</a:t>
+              <a:t>8</a:t>
             </a:fld>
             <a:endParaRPr lang="pt-BR"/>
           </a:p>
@@ -2809,7 +2957,7 @@
     </p:spTree>
     <p:extLst>
       <p:ext uri="{BB962C8B-B14F-4D97-AF65-F5344CB8AC3E}">
-        <p14:creationId xmlns:p14="http://schemas.microsoft.com/office/powerpoint/2010/main" val="1568394240"/>
+        <p14:creationId xmlns:p14="http://schemas.microsoft.com/office/powerpoint/2010/main" val="1779407163"/>
       </p:ext>
     </p:extLst>
   </p:cSld>
@@ -2838,7 +2986,7 @@
       </p:grpSpPr>
       <p:sp>
         <p:nvSpPr>
-          <p:cNvPr id="2" name="Espaço Reservado para Imagem de Slide 1"/>
+          <p:cNvPr id="2" name="Slide Image Placeholder 1"/>
           <p:cNvSpPr>
             <a:spLocks noGrp="1" noRot="1" noChangeAspect="1"/>
           </p:cNvSpPr>
@@ -2846,11 +2994,16 @@
             <p:ph type="sldImg"/>
           </p:nvPr>
         </p:nvSpPr>
-        <p:spPr/>
-      </p:sp>
-      <p:sp>
-        <p:nvSpPr>
-          <p:cNvPr id="3" name="Espaço Reservado para Anotações 2"/>
+        <p:spPr>
+          <a:xfrm>
+            <a:off x="381000" y="685800"/>
+            <a:ext cx="6096000" cy="3429000"/>
+          </a:xfrm>
+        </p:spPr>
+      </p:sp>
+      <p:sp>
+        <p:nvSpPr>
+          <p:cNvPr id="3" name="Notes Placeholder 2"/>
           <p:cNvSpPr>
             <a:spLocks noGrp="1"/>
           </p:cNvSpPr>
@@ -2863,49 +3016,18 @@
           <a:bodyPr/>
           <a:lstStyle/>
           <a:p>
-            <a:pPr marL="0" marR="0" lvl="0" indent="0" algn="l" defTabSz="914400" rtl="0" eaLnBrk="1" fontAlgn="auto" latinLnBrk="0" hangingPunct="1">
-              <a:lnSpc>
-                <a:spcPct val="100000"/>
-              </a:lnSpc>
-              <a:spcBef>
-                <a:spcPts val="0"/>
-              </a:spcBef>
-              <a:spcAft>
-                <a:spcPts val="0"/>
-              </a:spcAft>
-              <a:buClrTx/>
-              <a:buSzTx/>
-              <a:buFontTx/>
-              <a:buNone/>
-              <a:tabLst/>
-              <a:defRPr/>
-            </a:pPr>
-            <a:r>
-              <a:rPr lang="pt-BR" dirty="0"/>
-              <a:t>Cada </a:t>
-            </a:r>
-            <a:r>
-              <a:rPr lang="pt-BR"/>
-              <a:t>bloco tem </a:t>
-            </a:r>
-            <a:r>
-              <a:rPr lang="pt-BR" dirty="0"/>
-              <a:t>4 bytes.</a:t>
-            </a:r>
-          </a:p>
-          <a:p>
             <a:endParaRPr lang="pt-BR" dirty="0"/>
           </a:p>
         </p:txBody>
       </p:sp>
       <p:sp>
         <p:nvSpPr>
-          <p:cNvPr id="4" name="Espaço Reservado para Número de Slide 3"/>
+          <p:cNvPr id="4" name="Slide Number Placeholder 3"/>
           <p:cNvSpPr>
             <a:spLocks noGrp="1"/>
           </p:cNvSpPr>
           <p:nvPr>
-            <p:ph type="sldNum" sz="quarter" idx="5"/>
+            <p:ph type="sldNum" sz="quarter" idx="10"/>
           </p:nvPr>
         </p:nvSpPr>
         <p:spPr/>
@@ -2916,7 +3038,7 @@
             <a:fld id="{EE40C300-7E0A-46C4-9DB8-34F3F387883F}" type="slidenum">
               <a:rPr lang="pt-BR" smtClean="0"/>
               <a:pPr/>
-              <a:t>10</a:t>
+              <a:t>9</a:t>
             </a:fld>
             <a:endParaRPr lang="pt-BR"/>
           </a:p>
@@ -2925,7 +3047,7 @@
     </p:spTree>
     <p:extLst>
       <p:ext uri="{BB962C8B-B14F-4D97-AF65-F5344CB8AC3E}">
-        <p14:creationId xmlns:p14="http://schemas.microsoft.com/office/powerpoint/2010/main" val="584516090"/>
+        <p14:creationId xmlns:p14="http://schemas.microsoft.com/office/powerpoint/2010/main" val="1568394240"/>
       </p:ext>
     </p:extLst>
   </p:cSld>
@@ -2954,7 +3076,7 @@
       </p:grpSpPr>
       <p:sp>
         <p:nvSpPr>
-          <p:cNvPr id="2" name="Slide Image Placeholder 1"/>
+          <p:cNvPr id="2" name="Espaço Reservado para Imagem de Slide 1"/>
           <p:cNvSpPr>
             <a:spLocks noGrp="1" noRot="1" noChangeAspect="1"/>
           </p:cNvSpPr>
@@ -2962,16 +3084,11 @@
             <p:ph type="sldImg"/>
           </p:nvPr>
         </p:nvSpPr>
-        <p:spPr>
-          <a:xfrm>
-            <a:off x="381000" y="685800"/>
-            <a:ext cx="6096000" cy="3429000"/>
-          </a:xfrm>
-        </p:spPr>
-      </p:sp>
-      <p:sp>
-        <p:nvSpPr>
-          <p:cNvPr id="3" name="Notes Placeholder 2"/>
+        <p:spPr/>
+      </p:sp>
+      <p:sp>
+        <p:nvSpPr>
+          <p:cNvPr id="3" name="Espaço Reservado para Anotações 2"/>
           <p:cNvSpPr>
             <a:spLocks noGrp="1"/>
           </p:cNvSpPr>
@@ -2984,91 +3101,49 @@
           <a:bodyPr/>
           <a:lstStyle/>
           <a:p>
-            <a:r>
-              <a:rPr lang="pt-BR" sz="1200" dirty="0">
-                <a:solidFill>
-                  <a:schemeClr val="bg1"/>
-                </a:solidFill>
-              </a:rPr>
-              <a:t>» Verificar que o </a:t>
-            </a:r>
+            <a:pPr marL="0" marR="0" lvl="0" indent="0" algn="l" defTabSz="914400" rtl="0" eaLnBrk="1" fontAlgn="auto" latinLnBrk="0" hangingPunct="1">
+              <a:lnSpc>
+                <a:spcPct val="100000"/>
+              </a:lnSpc>
+              <a:spcBef>
+                <a:spcPts val="0"/>
+              </a:spcBef>
+              <a:spcAft>
+                <a:spcPts val="0"/>
+              </a:spcAft>
+              <a:buClrTx/>
+              <a:buSzTx/>
+              <a:buFontTx/>
+              <a:buNone/>
+              <a:tabLst/>
+              <a:defRPr/>
+            </a:pPr>
             <a:r>
               <a:rPr lang="pt-BR" dirty="0"/>
-              <a:t>operador</a:t>
-            </a:r>
-            <a:r>
-              <a:rPr lang="pt-BR" baseline="0" dirty="0"/>
-              <a:t> de atribuição não funciona com vetores (</a:t>
-            </a:r>
-            <a:r>
-              <a:rPr lang="en-US" sz="1200" kern="1200" dirty="0">
-                <a:solidFill>
-                  <a:schemeClr val="tx1"/>
-                </a:solidFill>
-                <a:latin typeface="+mn-lt"/>
-                <a:ea typeface="+mn-ea"/>
-                <a:cs typeface="+mn-cs"/>
-              </a:rPr>
-              <a:t>error C3863: array type 'char [40]' is not assignable)</a:t>
-            </a:r>
-          </a:p>
-          <a:p>
-            <a:r>
-              <a:rPr lang="pt-BR" sz="1200" kern="1200" noProof="0" dirty="0">
-                <a:solidFill>
-                  <a:schemeClr val="tx1"/>
-                </a:solidFill>
-                <a:latin typeface="+mn-lt"/>
-                <a:ea typeface="+mn-ea"/>
-                <a:cs typeface="+mn-cs"/>
-              </a:rPr>
-              <a:t>Não funciona por questões de desempenho, as cópias são potencialmente caras e a linguagem não quer </a:t>
-            </a:r>
-            <a:r>
-              <a:rPr lang="pt-BR" sz="1200" kern="1200" noProof="0">
-                <a:solidFill>
-                  <a:schemeClr val="tx1"/>
-                </a:solidFill>
-                <a:latin typeface="+mn-lt"/>
-                <a:ea typeface="+mn-ea"/>
-                <a:cs typeface="+mn-cs"/>
-              </a:rPr>
-              <a:t>que elas sejam </a:t>
-            </a:r>
-            <a:r>
-              <a:rPr lang="pt-BR" sz="1200" kern="1200" noProof="0" dirty="0">
-                <a:solidFill>
-                  <a:schemeClr val="tx1"/>
-                </a:solidFill>
-                <a:latin typeface="+mn-lt"/>
-                <a:ea typeface="+mn-ea"/>
-                <a:cs typeface="+mn-cs"/>
-              </a:rPr>
-              <a:t>feitas “por padrão” e </a:t>
-            </a:r>
-            <a:r>
-              <a:rPr lang="pt-BR" sz="1200" kern="1200" noProof="0">
-                <a:solidFill>
-                  <a:schemeClr val="tx1"/>
-                </a:solidFill>
-                <a:latin typeface="+mn-lt"/>
-                <a:ea typeface="+mn-ea"/>
-                <a:cs typeface="+mn-cs"/>
-              </a:rPr>
-              <a:t>sim “por escolha”.</a:t>
-            </a:r>
-            <a:endParaRPr lang="pt-BR" noProof="0" dirty="0"/>
-          </a:p>
-        </p:txBody>
-      </p:sp>
-      <p:sp>
-        <p:nvSpPr>
-          <p:cNvPr id="4" name="Slide Number Placeholder 3"/>
+              <a:t>Cada </a:t>
+            </a:r>
+            <a:r>
+              <a:rPr lang="pt-BR"/>
+              <a:t>bloco tem </a:t>
+            </a:r>
+            <a:r>
+              <a:rPr lang="pt-BR" dirty="0"/>
+              <a:t>4 bytes.</a:t>
+            </a:r>
+          </a:p>
+          <a:p>
+            <a:endParaRPr lang="pt-BR" dirty="0"/>
+          </a:p>
+        </p:txBody>
+      </p:sp>
+      <p:sp>
+        <p:nvSpPr>
+          <p:cNvPr id="4" name="Espaço Reservado para Número de Slide 3"/>
           <p:cNvSpPr>
             <a:spLocks noGrp="1"/>
           </p:cNvSpPr>
           <p:nvPr>
-            <p:ph type="sldNum" sz="quarter" idx="10"/>
+            <p:ph type="sldNum" sz="quarter" idx="5"/>
           </p:nvPr>
         </p:nvSpPr>
         <p:spPr/>
@@ -3079,7 +3154,7 @@
             <a:fld id="{EE40C300-7E0A-46C4-9DB8-34F3F387883F}" type="slidenum">
               <a:rPr lang="pt-BR" smtClean="0"/>
               <a:pPr/>
-              <a:t>11</a:t>
+              <a:t>10</a:t>
             </a:fld>
             <a:endParaRPr lang="pt-BR"/>
           </a:p>
@@ -3088,7 +3163,7 @@
     </p:spTree>
     <p:extLst>
       <p:ext uri="{BB962C8B-B14F-4D97-AF65-F5344CB8AC3E}">
-        <p14:creationId xmlns:p14="http://schemas.microsoft.com/office/powerpoint/2010/main" val="3985692189"/>
+        <p14:creationId xmlns:p14="http://schemas.microsoft.com/office/powerpoint/2010/main" val="584516090"/>
       </p:ext>
     </p:extLst>
   </p:cSld>
@@ -3117,7 +3192,7 @@
       </p:grpSpPr>
       <p:sp>
         <p:nvSpPr>
-          <p:cNvPr id="2" name="Espaço Reservado para Imagem de Slide 1"/>
+          <p:cNvPr id="2" name="Slide Image Placeholder 1"/>
           <p:cNvSpPr>
             <a:spLocks noGrp="1" noRot="1" noChangeAspect="1"/>
           </p:cNvSpPr>
@@ -3125,11 +3200,16 @@
             <p:ph type="sldImg"/>
           </p:nvPr>
         </p:nvSpPr>
-        <p:spPr/>
-      </p:sp>
-      <p:sp>
-        <p:nvSpPr>
-          <p:cNvPr id="3" name="Espaço Reservado para Anotações 2"/>
+        <p:spPr>
+          <a:xfrm>
+            <a:off x="381000" y="685800"/>
+            <a:ext cx="6096000" cy="3429000"/>
+          </a:xfrm>
+        </p:spPr>
+      </p:sp>
+      <p:sp>
+        <p:nvSpPr>
+          <p:cNvPr id="3" name="Notes Placeholder 2"/>
           <p:cNvSpPr>
             <a:spLocks noGrp="1"/>
           </p:cNvSpPr>
@@ -3142,13 +3222,86 @@
           <a:bodyPr/>
           <a:lstStyle/>
           <a:p>
-            <a:endParaRPr lang="pt-BR" dirty="0"/>
-          </a:p>
-        </p:txBody>
-      </p:sp>
-      <p:sp>
-        <p:nvSpPr>
-          <p:cNvPr id="4" name="Espaço Reservado para Número de Slide 3"/>
+            <a:r>
+              <a:rPr lang="pt-BR" sz="1200" dirty="0">
+                <a:solidFill>
+                  <a:schemeClr val="bg1"/>
+                </a:solidFill>
+              </a:rPr>
+              <a:t>» Verificar que o </a:t>
+            </a:r>
+            <a:r>
+              <a:rPr lang="pt-BR" dirty="0"/>
+              <a:t>operador</a:t>
+            </a:r>
+            <a:r>
+              <a:rPr lang="pt-BR" baseline="0" dirty="0"/>
+              <a:t> de atribuição não funciona com vetores (</a:t>
+            </a:r>
+            <a:r>
+              <a:rPr lang="en-US" sz="1200" kern="1200" dirty="0">
+                <a:solidFill>
+                  <a:schemeClr val="tx1"/>
+                </a:solidFill>
+                <a:latin typeface="+mn-lt"/>
+                <a:ea typeface="+mn-ea"/>
+                <a:cs typeface="+mn-cs"/>
+              </a:rPr>
+              <a:t>error C3863: array type 'char [40]' is not assignable)</a:t>
+            </a:r>
+          </a:p>
+          <a:p>
+            <a:r>
+              <a:rPr lang="pt-BR" sz="1200" kern="1200" noProof="0" dirty="0">
+                <a:solidFill>
+                  <a:schemeClr val="tx1"/>
+                </a:solidFill>
+                <a:latin typeface="+mn-lt"/>
+                <a:ea typeface="+mn-ea"/>
+                <a:cs typeface="+mn-cs"/>
+              </a:rPr>
+              <a:t>Não funciona por questões de desempenho, as cópias são potencialmente caras e a linguagem não quer </a:t>
+            </a:r>
+            <a:r>
+              <a:rPr lang="pt-BR" sz="1200" kern="1200" noProof="0">
+                <a:solidFill>
+                  <a:schemeClr val="tx1"/>
+                </a:solidFill>
+                <a:latin typeface="+mn-lt"/>
+                <a:ea typeface="+mn-ea"/>
+                <a:cs typeface="+mn-cs"/>
+              </a:rPr>
+              <a:t>que elas sejam </a:t>
+            </a:r>
+            <a:r>
+              <a:rPr lang="pt-BR" sz="1200" kern="1200" noProof="0" dirty="0">
+                <a:solidFill>
+                  <a:schemeClr val="tx1"/>
+                </a:solidFill>
+                <a:latin typeface="+mn-lt"/>
+                <a:ea typeface="+mn-ea"/>
+                <a:cs typeface="+mn-cs"/>
+              </a:rPr>
+              <a:t>feitas “por padrão” e </a:t>
+            </a:r>
+            <a:r>
+              <a:rPr lang="pt-BR" sz="1200" kern="1200" noProof="0">
+                <a:solidFill>
+                  <a:schemeClr val="tx1"/>
+                </a:solidFill>
+                <a:latin typeface="+mn-lt"/>
+                <a:ea typeface="+mn-ea"/>
+                <a:cs typeface="+mn-cs"/>
+              </a:rPr>
+              <a:t>sim “por escolha”.</a:t>
+            </a:r>
+            <a:endParaRPr lang="pt-BR" noProof="0" dirty="0"/>
+          </a:p>
+        </p:txBody>
+      </p:sp>
+      <p:sp>
+        <p:nvSpPr>
+          <p:cNvPr id="4" name="Slide Number Placeholder 3"/>
           <p:cNvSpPr>
             <a:spLocks noGrp="1"/>
           </p:cNvSpPr>
@@ -3164,7 +3317,7 @@
             <a:fld id="{EE40C300-7E0A-46C4-9DB8-34F3F387883F}" type="slidenum">
               <a:rPr lang="pt-BR" smtClean="0"/>
               <a:pPr/>
-              <a:t>12</a:t>
+              <a:t>11</a:t>
             </a:fld>
             <a:endParaRPr lang="pt-BR"/>
           </a:p>
@@ -3173,7 +3326,7 @@
     </p:spTree>
     <p:extLst>
       <p:ext uri="{BB962C8B-B14F-4D97-AF65-F5344CB8AC3E}">
-        <p14:creationId xmlns:p14="http://schemas.microsoft.com/office/powerpoint/2010/main" val="3859860413"/>
+        <p14:creationId xmlns:p14="http://schemas.microsoft.com/office/powerpoint/2010/main" val="3985692189"/>
       </p:ext>
     </p:extLst>
   </p:cSld>
@@ -3210,12 +3363,7 @@
             <p:ph type="sldImg"/>
           </p:nvPr>
         </p:nvSpPr>
-        <p:spPr>
-          <a:xfrm>
-            <a:off x="381000" y="685800"/>
-            <a:ext cx="6096000" cy="3429000"/>
-          </a:xfrm>
-        </p:spPr>
+        <p:spPr/>
       </p:sp>
       <p:sp>
         <p:nvSpPr>
@@ -3229,54 +3377,8 @@
         </p:nvSpPr>
         <p:spPr/>
         <p:txBody>
-          <a:bodyPr>
-            <a:normAutofit/>
-          </a:bodyPr>
-          <a:lstStyle/>
-          <a:p>
-            <a:pPr marL="0" marR="0" lvl="0" indent="0" algn="l" defTabSz="914400" rtl="0" eaLnBrk="1" fontAlgn="auto" latinLnBrk="0" hangingPunct="1">
-              <a:lnSpc>
-                <a:spcPct val="100000"/>
-              </a:lnSpc>
-              <a:spcBef>
-                <a:spcPts val="0"/>
-              </a:spcBef>
-              <a:spcAft>
-                <a:spcPts val="0"/>
-              </a:spcAft>
-              <a:buClrTx/>
-              <a:buSzTx/>
-              <a:buFontTx/>
-              <a:buNone/>
-              <a:tabLst/>
-              <a:defRPr/>
-            </a:pPr>
-            <a:r>
-              <a:rPr lang="pt-BR" sz="1200" dirty="0">
-                <a:solidFill>
-                  <a:schemeClr val="bg1"/>
-                </a:solidFill>
-              </a:rPr>
-              <a:t>» Criar definição da função </a:t>
-            </a:r>
-            <a:r>
-              <a:rPr lang="pt-BR" sz="1200" dirty="0" err="1">
-                <a:solidFill>
-                  <a:schemeClr val="bg1"/>
-                </a:solidFill>
-              </a:rPr>
-              <a:t>void</a:t>
-            </a:r>
-            <a:r>
-              <a:rPr lang="pt-BR" sz="1200" dirty="0">
-                <a:solidFill>
-                  <a:schemeClr val="bg1"/>
-                </a:solidFill>
-              </a:rPr>
-              <a:t> exibir(jogador);</a:t>
-            </a:r>
-            <a:endParaRPr lang="pt-BR" baseline="0" dirty="0"/>
-          </a:p>
+          <a:bodyPr/>
+          <a:lstStyle/>
           <a:p>
             <a:endParaRPr lang="pt-BR" dirty="0"/>
           </a:p>
@@ -3300,7 +3402,7 @@
             <a:fld id="{EE40C300-7E0A-46C4-9DB8-34F3F387883F}" type="slidenum">
               <a:rPr lang="pt-BR" smtClean="0"/>
               <a:pPr/>
-              <a:t>14</a:t>
+              <a:t>12</a:t>
             </a:fld>
             <a:endParaRPr lang="pt-BR"/>
           </a:p>
@@ -3309,7 +3411,7 @@
     </p:spTree>
     <p:extLst>
       <p:ext uri="{BB962C8B-B14F-4D97-AF65-F5344CB8AC3E}">
-        <p14:creationId xmlns:p14="http://schemas.microsoft.com/office/powerpoint/2010/main" val="560606554"/>
+        <p14:creationId xmlns:p14="http://schemas.microsoft.com/office/powerpoint/2010/main" val="3859860413"/>
       </p:ext>
     </p:extLst>
   </p:cSld>
@@ -3393,7 +3495,7 @@
                   <a:schemeClr val="bg1"/>
                 </a:solidFill>
               </a:rPr>
-              <a:t>» Criar definição da função jogador ler(</a:t>
+              <a:t>» Criar definição da função </a:t>
             </a:r>
             <a:r>
               <a:rPr lang="pt-BR" sz="1200" dirty="0" err="1">
@@ -3409,8 +3511,11 @@
                   <a:schemeClr val="bg1"/>
                 </a:solidFill>
               </a:rPr>
-              <a:t>);</a:t>
-            </a:r>
+              <a:t> exibir(jogador);</a:t>
+            </a:r>
+            <a:endParaRPr lang="pt-BR" baseline="0" dirty="0"/>
+          </a:p>
+          <a:p>
             <a:endParaRPr lang="pt-BR" dirty="0"/>
           </a:p>
         </p:txBody>
@@ -3433,7 +3538,7 @@
             <a:fld id="{EE40C300-7E0A-46C4-9DB8-34F3F387883F}" type="slidenum">
               <a:rPr lang="pt-BR" smtClean="0"/>
               <a:pPr/>
-              <a:t>15</a:t>
+              <a:t>14</a:t>
             </a:fld>
             <a:endParaRPr lang="pt-BR"/>
           </a:p>
@@ -3442,7 +3547,7 @@
     </p:spTree>
     <p:extLst>
       <p:ext uri="{BB962C8B-B14F-4D97-AF65-F5344CB8AC3E}">
-        <p14:creationId xmlns:p14="http://schemas.microsoft.com/office/powerpoint/2010/main" val="2439236969"/>
+        <p14:creationId xmlns:p14="http://schemas.microsoft.com/office/powerpoint/2010/main" val="560606554"/>
       </p:ext>
     </p:extLst>
   </p:cSld>
@@ -3503,21 +3608,38 @@
           </a:bodyPr>
           <a:lstStyle/>
           <a:p>
+            <a:pPr marL="0" marR="0" lvl="0" indent="0" algn="l" defTabSz="914400" rtl="0" eaLnBrk="1" fontAlgn="auto" latinLnBrk="0" hangingPunct="1">
+              <a:lnSpc>
+                <a:spcPct val="100000"/>
+              </a:lnSpc>
+              <a:spcBef>
+                <a:spcPts val="0"/>
+              </a:spcBef>
+              <a:spcAft>
+                <a:spcPts val="0"/>
+              </a:spcAft>
+              <a:buClrTx/>
+              <a:buSzTx/>
+              <a:buFontTx/>
+              <a:buNone/>
+              <a:tabLst/>
+              <a:defRPr/>
+            </a:pPr>
             <a:r>
               <a:rPr lang="pt-BR" sz="1200" dirty="0">
                 <a:solidFill>
                   <a:schemeClr val="bg1"/>
                 </a:solidFill>
               </a:rPr>
-              <a:t>» Usar o </a:t>
-            </a:r>
-            <a:r>
-              <a:rPr lang="pt-BR" sz="1200" b="1" dirty="0">
+              <a:t>» Criar definição da função jogador ler(</a:t>
+            </a:r>
+            <a:r>
+              <a:rPr lang="pt-BR" sz="1200" dirty="0" err="1">
                 <a:solidFill>
                   <a:schemeClr val="bg1"/>
                 </a:solidFill>
               </a:rPr>
-              <a:t>depurador</a:t>
+              <a:t>void</a:t>
             </a:r>
             <a:r>
               <a:rPr lang="pt-BR" sz="1200" dirty="0">
@@ -3525,7 +3647,7 @@
                   <a:schemeClr val="bg1"/>
                 </a:solidFill>
               </a:rPr>
-              <a:t> para exibir os registros e mostrar que eles são iguais</a:t>
+              <a:t>);</a:t>
             </a:r>
             <a:endParaRPr lang="pt-BR" dirty="0"/>
           </a:p>
@@ -3549,7 +3671,7 @@
             <a:fld id="{EE40C300-7E0A-46C4-9DB8-34F3F387883F}" type="slidenum">
               <a:rPr lang="pt-BR" smtClean="0"/>
               <a:pPr/>
-              <a:t>16</a:t>
+              <a:t>15</a:t>
             </a:fld>
             <a:endParaRPr lang="pt-BR"/>
           </a:p>
@@ -3558,7 +3680,7 @@
     </p:spTree>
     <p:extLst>
       <p:ext uri="{BB962C8B-B14F-4D97-AF65-F5344CB8AC3E}">
-        <p14:creationId xmlns:p14="http://schemas.microsoft.com/office/powerpoint/2010/main" val="3169121132"/>
+        <p14:creationId xmlns:p14="http://schemas.microsoft.com/office/powerpoint/2010/main" val="2439236969"/>
       </p:ext>
     </p:extLst>
   </p:cSld>
